--- a/Project management/8-Time-Cost Trade-Offs.pptx
+++ b/Project management/8-Time-Cost Trade-Offs.pptx
@@ -607,35 +607,35 @@
           <a:p>
             <a:pPr lvl="0"/>
             <a:r>
-              <a:rPr lang="de-DE" noProof="0" smtClean="0"/>
+              <a:rPr lang="de-DE" noProof="0"/>
               <a:t>Klicken Sie, um die Formate des Vorlagentextes zu bearbeiten</a:t>
             </a:r>
           </a:p>
           <a:p>
             <a:pPr lvl="1"/>
             <a:r>
-              <a:rPr lang="de-DE" noProof="0" smtClean="0"/>
+              <a:rPr lang="de-DE" noProof="0"/>
               <a:t>Zweite Ebene</a:t>
             </a:r>
           </a:p>
           <a:p>
             <a:pPr lvl="2"/>
             <a:r>
-              <a:rPr lang="de-DE" noProof="0" smtClean="0"/>
+              <a:rPr lang="de-DE" noProof="0"/>
               <a:t>Dritte Ebene</a:t>
             </a:r>
           </a:p>
           <a:p>
             <a:pPr lvl="3"/>
             <a:r>
-              <a:rPr lang="de-DE" noProof="0" smtClean="0"/>
+              <a:rPr lang="de-DE" noProof="0"/>
               <a:t>Vierte Ebene</a:t>
             </a:r>
           </a:p>
           <a:p>
             <a:pPr lvl="4"/>
             <a:r>
-              <a:rPr lang="de-DE" noProof="0" smtClean="0"/>
+              <a:rPr lang="de-DE" noProof="0"/>
               <a:t>Fünfte Ebene</a:t>
             </a:r>
           </a:p>
@@ -1110,7 +1110,7 @@
               <a:pPr>
                 <a:defRPr/>
               </a:pPr>
-              <a:t>03.04.2017</a:t>
+              <a:t>18.03.2021</a:t>
             </a:fld>
             <a:endParaRPr lang="en-US" dirty="0"/>
           </a:p>
@@ -1215,13 +1215,6 @@
     <a:masterClrMapping/>
   </p:clrMapOvr>
   <p:transition spd="slow"/>
-  <p:timing>
-    <p:tnLst>
-      <p:par>
-        <p:cTn id="1" dur="indefinite" restart="never" nodeType="tmRoot"/>
-      </p:par>
-    </p:tnLst>
-  </p:timing>
 </p:sldLayout>
 </file>
 
@@ -1258,10 +1251,9 @@
           <a:lstStyle/>
           <a:p>
             <a:r>
-              <a:rPr lang="en-US" smtClean="0"/>
+              <a:rPr lang="en-US"/>
               <a:t>Click to edit Master title style</a:t>
             </a:r>
-            <a:endParaRPr lang="en-US"/>
           </a:p>
         </p:txBody>
       </p:sp>
@@ -1282,38 +1274,37 @@
           <a:p>
             <a:pPr lvl="0"/>
             <a:r>
-              <a:rPr lang="en-US" smtClean="0"/>
+              <a:rPr lang="en-US"/>
               <a:t>Click to edit Master text styles</a:t>
             </a:r>
           </a:p>
           <a:p>
             <a:pPr lvl="1"/>
             <a:r>
-              <a:rPr lang="en-US" smtClean="0"/>
+              <a:rPr lang="en-US"/>
               <a:t>Second level</a:t>
             </a:r>
           </a:p>
           <a:p>
             <a:pPr lvl="2"/>
             <a:r>
-              <a:rPr lang="en-US" smtClean="0"/>
+              <a:rPr lang="en-US"/>
               <a:t>Third level</a:t>
             </a:r>
           </a:p>
           <a:p>
             <a:pPr lvl="3"/>
             <a:r>
-              <a:rPr lang="en-US" smtClean="0"/>
+              <a:rPr lang="en-US"/>
               <a:t>Fourth level</a:t>
             </a:r>
           </a:p>
           <a:p>
             <a:pPr lvl="4"/>
             <a:r>
-              <a:rPr lang="en-US" smtClean="0"/>
+              <a:rPr lang="en-US"/>
               <a:t>Fifth level</a:t>
             </a:r>
-            <a:endParaRPr lang="en-US"/>
           </a:p>
         </p:txBody>
       </p:sp>
@@ -1344,7 +1335,7 @@
               <a:pPr>
                 <a:defRPr/>
               </a:pPr>
-              <a:t>4/3/2017 6:16 PM</a:t>
+              <a:t>3/18/2021 5:10 AM</a:t>
             </a:fld>
             <a:endParaRPr lang="en-US" dirty="0"/>
           </a:p>
@@ -1430,10 +1421,9 @@
           <a:lstStyle/>
           <a:p>
             <a:r>
-              <a:rPr lang="en-US" smtClean="0"/>
+              <a:rPr lang="en-US"/>
               <a:t>Click to edit Master title style</a:t>
             </a:r>
-            <a:endParaRPr lang="en-US"/>
           </a:p>
         </p:txBody>
       </p:sp>
@@ -1459,38 +1449,37 @@
           <a:p>
             <a:pPr lvl="0"/>
             <a:r>
-              <a:rPr lang="en-US" smtClean="0"/>
+              <a:rPr lang="en-US"/>
               <a:t>Click to edit Master text styles</a:t>
             </a:r>
           </a:p>
           <a:p>
             <a:pPr lvl="1"/>
             <a:r>
-              <a:rPr lang="en-US" smtClean="0"/>
+              <a:rPr lang="en-US"/>
               <a:t>Second level</a:t>
             </a:r>
           </a:p>
           <a:p>
             <a:pPr lvl="2"/>
             <a:r>
-              <a:rPr lang="en-US" smtClean="0"/>
+              <a:rPr lang="en-US"/>
               <a:t>Third level</a:t>
             </a:r>
           </a:p>
           <a:p>
             <a:pPr lvl="3"/>
             <a:r>
-              <a:rPr lang="en-US" smtClean="0"/>
+              <a:rPr lang="en-US"/>
               <a:t>Fourth level</a:t>
             </a:r>
           </a:p>
           <a:p>
             <a:pPr lvl="4"/>
             <a:r>
-              <a:rPr lang="en-US" smtClean="0"/>
+              <a:rPr lang="en-US"/>
               <a:t>Fifth level</a:t>
             </a:r>
-            <a:endParaRPr lang="en-US"/>
           </a:p>
         </p:txBody>
       </p:sp>
@@ -1521,7 +1510,7 @@
               <a:pPr>
                 <a:defRPr/>
               </a:pPr>
-              <a:t>4/3/2017 6:16 PM</a:t>
+              <a:t>3/18/2021 5:10 AM</a:t>
             </a:fld>
             <a:endParaRPr lang="en-US" dirty="0"/>
           </a:p>
@@ -1607,10 +1596,9 @@
           <a:lstStyle/>
           <a:p>
             <a:r>
-              <a:rPr lang="en-US" smtClean="0"/>
+              <a:rPr lang="en-US"/>
               <a:t>Click to edit Master title style</a:t>
             </a:r>
-            <a:endParaRPr lang="en-US"/>
           </a:p>
         </p:txBody>
       </p:sp>
@@ -1635,7 +1623,7 @@
           <a:lstStyle/>
           <a:p>
             <a:pPr lvl="0"/>
-            <a:endParaRPr lang="en-US" noProof="0" dirty="0" smtClean="0"/>
+            <a:endParaRPr lang="en-US" noProof="0" dirty="0"/>
           </a:p>
         </p:txBody>
       </p:sp>
@@ -1666,7 +1654,7 @@
               <a:pPr>
                 <a:defRPr/>
               </a:pPr>
-              <a:t>4/3/2017 6:16 PM</a:t>
+              <a:t>3/18/2021 5:10 AM</a:t>
             </a:fld>
             <a:endParaRPr lang="en-US" dirty="0"/>
           </a:p>
@@ -1747,10 +1735,9 @@
           <a:lstStyle/>
           <a:p>
             <a:r>
-              <a:rPr lang="en-US" smtClean="0"/>
+              <a:rPr lang="en-US"/>
               <a:t>Click to edit Master title style</a:t>
             </a:r>
-            <a:endParaRPr lang="en-US"/>
           </a:p>
         </p:txBody>
       </p:sp>
@@ -1771,38 +1758,37 @@
           <a:p>
             <a:pPr lvl="0"/>
             <a:r>
-              <a:rPr lang="en-US" smtClean="0"/>
+              <a:rPr lang="en-US"/>
               <a:t>Click to edit Master text styles</a:t>
             </a:r>
           </a:p>
           <a:p>
             <a:pPr lvl="1"/>
             <a:r>
-              <a:rPr lang="en-US" smtClean="0"/>
+              <a:rPr lang="en-US"/>
               <a:t>Second level</a:t>
             </a:r>
           </a:p>
           <a:p>
             <a:pPr lvl="2"/>
             <a:r>
-              <a:rPr lang="en-US" smtClean="0"/>
+              <a:rPr lang="en-US"/>
               <a:t>Third level</a:t>
             </a:r>
           </a:p>
           <a:p>
             <a:pPr lvl="3"/>
             <a:r>
-              <a:rPr lang="en-US" smtClean="0"/>
+              <a:rPr lang="en-US"/>
               <a:t>Fourth level</a:t>
             </a:r>
           </a:p>
           <a:p>
             <a:pPr lvl="4"/>
             <a:r>
-              <a:rPr lang="en-US" smtClean="0"/>
+              <a:rPr lang="en-US"/>
               <a:t>Fifth level</a:t>
             </a:r>
-            <a:endParaRPr lang="en-US"/>
           </a:p>
         </p:txBody>
       </p:sp>
@@ -1833,7 +1819,7 @@
               <a:pPr>
                 <a:defRPr/>
               </a:pPr>
-              <a:t>4/3/2017 6:16 PM</a:t>
+              <a:t>3/18/2021 5:10 AM</a:t>
             </a:fld>
             <a:endParaRPr lang="en-US" dirty="0"/>
           </a:p>
@@ -1923,10 +1909,9 @@
           </a:lstStyle>
           <a:p>
             <a:r>
-              <a:rPr lang="en-US" smtClean="0"/>
+              <a:rPr lang="en-US"/>
               <a:t>Click to edit Master title style</a:t>
             </a:r>
-            <a:endParaRPr lang="en-US"/>
           </a:p>
         </p:txBody>
       </p:sp>
@@ -1989,7 +1974,7 @@
           <a:p>
             <a:pPr lvl="0"/>
             <a:r>
-              <a:rPr lang="en-US" smtClean="0"/>
+              <a:rPr lang="en-US"/>
               <a:t>Click to edit Master text styles</a:t>
             </a:r>
           </a:p>
@@ -2022,7 +2007,7 @@
               <a:pPr>
                 <a:defRPr/>
               </a:pPr>
-              <a:t>4/3/2017 6:16 PM</a:t>
+              <a:t>3/18/2021 5:10 AM</a:t>
             </a:fld>
             <a:endParaRPr lang="en-US" dirty="0"/>
           </a:p>
@@ -2103,10 +2088,9 @@
           <a:lstStyle/>
           <a:p>
             <a:r>
-              <a:rPr lang="en-US" smtClean="0"/>
+              <a:rPr lang="en-US"/>
               <a:t>Click to edit Master title style</a:t>
             </a:r>
-            <a:endParaRPr lang="en-US"/>
           </a:p>
         </p:txBody>
       </p:sp>
@@ -2160,38 +2144,37 @@
           <a:p>
             <a:pPr lvl="0"/>
             <a:r>
-              <a:rPr lang="en-US" smtClean="0"/>
+              <a:rPr lang="en-US"/>
               <a:t>Click to edit Master text styles</a:t>
             </a:r>
           </a:p>
           <a:p>
             <a:pPr lvl="1"/>
             <a:r>
-              <a:rPr lang="en-US" smtClean="0"/>
+              <a:rPr lang="en-US"/>
               <a:t>Second level</a:t>
             </a:r>
           </a:p>
           <a:p>
             <a:pPr lvl="2"/>
             <a:r>
-              <a:rPr lang="en-US" smtClean="0"/>
+              <a:rPr lang="en-US"/>
               <a:t>Third level</a:t>
             </a:r>
           </a:p>
           <a:p>
             <a:pPr lvl="3"/>
             <a:r>
-              <a:rPr lang="en-US" smtClean="0"/>
+              <a:rPr lang="en-US"/>
               <a:t>Fourth level</a:t>
             </a:r>
           </a:p>
           <a:p>
             <a:pPr lvl="4"/>
             <a:r>
-              <a:rPr lang="en-US" smtClean="0"/>
+              <a:rPr lang="en-US"/>
               <a:t>Fifth level</a:t>
             </a:r>
-            <a:endParaRPr lang="en-US"/>
           </a:p>
         </p:txBody>
       </p:sp>
@@ -2245,38 +2228,37 @@
           <a:p>
             <a:pPr lvl="0"/>
             <a:r>
-              <a:rPr lang="en-US" smtClean="0"/>
+              <a:rPr lang="en-US"/>
               <a:t>Click to edit Master text styles</a:t>
             </a:r>
           </a:p>
           <a:p>
             <a:pPr lvl="1"/>
             <a:r>
-              <a:rPr lang="en-US" smtClean="0"/>
+              <a:rPr lang="en-US"/>
               <a:t>Second level</a:t>
             </a:r>
           </a:p>
           <a:p>
             <a:pPr lvl="2"/>
             <a:r>
-              <a:rPr lang="en-US" smtClean="0"/>
+              <a:rPr lang="en-US"/>
               <a:t>Third level</a:t>
             </a:r>
           </a:p>
           <a:p>
             <a:pPr lvl="3"/>
             <a:r>
-              <a:rPr lang="en-US" smtClean="0"/>
+              <a:rPr lang="en-US"/>
               <a:t>Fourth level</a:t>
             </a:r>
           </a:p>
           <a:p>
             <a:pPr lvl="4"/>
             <a:r>
-              <a:rPr lang="en-US" smtClean="0"/>
+              <a:rPr lang="en-US"/>
               <a:t>Fifth level</a:t>
             </a:r>
-            <a:endParaRPr lang="en-US"/>
           </a:p>
         </p:txBody>
       </p:sp>
@@ -2307,7 +2289,7 @@
               <a:pPr>
                 <a:defRPr/>
               </a:pPr>
-              <a:t>4/3/2017 6:16 PM</a:t>
+              <a:t>3/18/2021 5:10 AM</a:t>
             </a:fld>
             <a:endParaRPr lang="en-US" dirty="0"/>
           </a:p>
@@ -2397,10 +2379,9 @@
           </a:lstStyle>
           <a:p>
             <a:r>
-              <a:rPr lang="en-US" smtClean="0"/>
+              <a:rPr lang="en-US"/>
               <a:t>Click to edit Master title style</a:t>
             </a:r>
-            <a:endParaRPr lang="en-US"/>
           </a:p>
         </p:txBody>
       </p:sp>
@@ -2463,7 +2444,7 @@
           <a:p>
             <a:pPr lvl="0"/>
             <a:r>
-              <a:rPr lang="en-US" smtClean="0"/>
+              <a:rPr lang="en-US"/>
               <a:t>Click to edit Master text styles</a:t>
             </a:r>
           </a:p>
@@ -2519,38 +2500,37 @@
           <a:p>
             <a:pPr lvl="0"/>
             <a:r>
-              <a:rPr lang="en-US" smtClean="0"/>
+              <a:rPr lang="en-US"/>
               <a:t>Click to edit Master text styles</a:t>
             </a:r>
           </a:p>
           <a:p>
             <a:pPr lvl="1"/>
             <a:r>
-              <a:rPr lang="en-US" smtClean="0"/>
+              <a:rPr lang="en-US"/>
               <a:t>Second level</a:t>
             </a:r>
           </a:p>
           <a:p>
             <a:pPr lvl="2"/>
             <a:r>
-              <a:rPr lang="en-US" smtClean="0"/>
+              <a:rPr lang="en-US"/>
               <a:t>Third level</a:t>
             </a:r>
           </a:p>
           <a:p>
             <a:pPr lvl="3"/>
             <a:r>
-              <a:rPr lang="en-US" smtClean="0"/>
+              <a:rPr lang="en-US"/>
               <a:t>Fourth level</a:t>
             </a:r>
           </a:p>
           <a:p>
             <a:pPr lvl="4"/>
             <a:r>
-              <a:rPr lang="en-US" smtClean="0"/>
+              <a:rPr lang="en-US"/>
               <a:t>Fifth level</a:t>
             </a:r>
-            <a:endParaRPr lang="en-US"/>
           </a:p>
         </p:txBody>
       </p:sp>
@@ -2613,7 +2593,7 @@
           <a:p>
             <a:pPr lvl="0"/>
             <a:r>
-              <a:rPr lang="en-US" smtClean="0"/>
+              <a:rPr lang="en-US"/>
               <a:t>Click to edit Master text styles</a:t>
             </a:r>
           </a:p>
@@ -2669,38 +2649,37 @@
           <a:p>
             <a:pPr lvl="0"/>
             <a:r>
-              <a:rPr lang="en-US" smtClean="0"/>
+              <a:rPr lang="en-US"/>
               <a:t>Click to edit Master text styles</a:t>
             </a:r>
           </a:p>
           <a:p>
             <a:pPr lvl="1"/>
             <a:r>
-              <a:rPr lang="en-US" smtClean="0"/>
+              <a:rPr lang="en-US"/>
               <a:t>Second level</a:t>
             </a:r>
           </a:p>
           <a:p>
             <a:pPr lvl="2"/>
             <a:r>
-              <a:rPr lang="en-US" smtClean="0"/>
+              <a:rPr lang="en-US"/>
               <a:t>Third level</a:t>
             </a:r>
           </a:p>
           <a:p>
             <a:pPr lvl="3"/>
             <a:r>
-              <a:rPr lang="en-US" smtClean="0"/>
+              <a:rPr lang="en-US"/>
               <a:t>Fourth level</a:t>
             </a:r>
           </a:p>
           <a:p>
             <a:pPr lvl="4"/>
             <a:r>
-              <a:rPr lang="en-US" smtClean="0"/>
+              <a:rPr lang="en-US"/>
               <a:t>Fifth level</a:t>
             </a:r>
-            <a:endParaRPr lang="en-US"/>
           </a:p>
         </p:txBody>
       </p:sp>
@@ -2731,7 +2710,7 @@
               <a:pPr>
                 <a:defRPr/>
               </a:pPr>
-              <a:t>4/3/2017 6:16 PM</a:t>
+              <a:t>3/18/2021 5:10 AM</a:t>
             </a:fld>
             <a:endParaRPr lang="en-US" dirty="0"/>
           </a:p>
@@ -2812,10 +2791,9 @@
           <a:lstStyle/>
           <a:p>
             <a:r>
-              <a:rPr lang="en-US" smtClean="0"/>
+              <a:rPr lang="en-US"/>
               <a:t>Click to edit Master title style</a:t>
             </a:r>
-            <a:endParaRPr lang="en-US"/>
           </a:p>
         </p:txBody>
       </p:sp>
@@ -2846,7 +2824,7 @@
               <a:pPr>
                 <a:defRPr/>
               </a:pPr>
-              <a:t>4/3/2017 6:16 PM</a:t>
+              <a:t>3/18/2021 5:10 AM</a:t>
             </a:fld>
             <a:endParaRPr lang="en-US" dirty="0"/>
           </a:p>
@@ -2938,7 +2916,7 @@
               <a:pPr>
                 <a:defRPr/>
               </a:pPr>
-              <a:t>4/3/2017 6:16 PM</a:t>
+              <a:t>3/18/2021 5:10 AM</a:t>
             </a:fld>
             <a:endParaRPr lang="en-US" dirty="0"/>
           </a:p>
@@ -3028,10 +3006,9 @@
           </a:lstStyle>
           <a:p>
             <a:r>
-              <a:rPr lang="en-US" smtClean="0"/>
+              <a:rPr lang="en-US"/>
               <a:t>Click to edit Master title style</a:t>
             </a:r>
-            <a:endParaRPr lang="en-US"/>
           </a:p>
         </p:txBody>
       </p:sp>
@@ -3085,38 +3062,37 @@
           <a:p>
             <a:pPr lvl="0"/>
             <a:r>
-              <a:rPr lang="en-US" smtClean="0"/>
+              <a:rPr lang="en-US"/>
               <a:t>Click to edit Master text styles</a:t>
             </a:r>
           </a:p>
           <a:p>
             <a:pPr lvl="1"/>
             <a:r>
-              <a:rPr lang="en-US" smtClean="0"/>
+              <a:rPr lang="en-US"/>
               <a:t>Second level</a:t>
             </a:r>
           </a:p>
           <a:p>
             <a:pPr lvl="2"/>
             <a:r>
-              <a:rPr lang="en-US" smtClean="0"/>
+              <a:rPr lang="en-US"/>
               <a:t>Third level</a:t>
             </a:r>
           </a:p>
           <a:p>
             <a:pPr lvl="3"/>
             <a:r>
-              <a:rPr lang="en-US" smtClean="0"/>
+              <a:rPr lang="en-US"/>
               <a:t>Fourth level</a:t>
             </a:r>
           </a:p>
           <a:p>
             <a:pPr lvl="4"/>
             <a:r>
-              <a:rPr lang="en-US" smtClean="0"/>
+              <a:rPr lang="en-US"/>
               <a:t>Fifth level</a:t>
             </a:r>
-            <a:endParaRPr lang="en-US"/>
           </a:p>
         </p:txBody>
       </p:sp>
@@ -3179,7 +3155,7 @@
           <a:p>
             <a:pPr lvl="0"/>
             <a:r>
-              <a:rPr lang="en-US" smtClean="0"/>
+              <a:rPr lang="en-US"/>
               <a:t>Click to edit Master text styles</a:t>
             </a:r>
           </a:p>
@@ -3212,7 +3188,7 @@
               <a:pPr>
                 <a:defRPr/>
               </a:pPr>
-              <a:t>4/3/2017 6:16 PM</a:t>
+              <a:t>3/18/2021 5:10 AM</a:t>
             </a:fld>
             <a:endParaRPr lang="en-US" dirty="0"/>
           </a:p>
@@ -3302,10 +3278,9 @@
           </a:lstStyle>
           <a:p>
             <a:r>
-              <a:rPr lang="en-US" smtClean="0"/>
+              <a:rPr lang="en-US"/>
               <a:t>Click to edit Master title style</a:t>
             </a:r>
-            <a:endParaRPr lang="en-US"/>
           </a:p>
         </p:txBody>
       </p:sp>
@@ -3367,7 +3342,7 @@
           </a:lstStyle>
           <a:p>
             <a:pPr lvl="0"/>
-            <a:endParaRPr lang="en-US" noProof="0" dirty="0" smtClean="0"/>
+            <a:endParaRPr lang="en-US" noProof="0" dirty="0"/>
           </a:p>
         </p:txBody>
       </p:sp>
@@ -3430,7 +3405,7 @@
           <a:p>
             <a:pPr lvl="0"/>
             <a:r>
-              <a:rPr lang="en-US" smtClean="0"/>
+              <a:rPr lang="en-US"/>
               <a:t>Click to edit Master text styles</a:t>
             </a:r>
           </a:p>
@@ -3463,7 +3438,7 @@
               <a:pPr>
                 <a:defRPr/>
               </a:pPr>
-              <a:t>4/3/2017 6:16 PM</a:t>
+              <a:t>3/18/2021 5:10 AM</a:t>
             </a:fld>
             <a:endParaRPr lang="en-US" dirty="0"/>
           </a:p>
@@ -3572,13 +3547,13 @@
           <a:p>
             <a:pPr lvl="0"/>
             <a:r>
-              <a:rPr lang="en-US" smtClean="0"/>
+              <a:rPr lang="en-US"/>
               <a:t>Mastertitelformat bearbeiten</a:t>
             </a:r>
             <a:br>
-              <a:rPr lang="en-US" smtClean="0"/>
+              <a:rPr lang="en-US"/>
             </a:br>
-            <a:endParaRPr lang="en-US" smtClean="0"/>
+            <a:endParaRPr lang="en-US"/>
           </a:p>
         </p:txBody>
       </p:sp>
@@ -3619,35 +3594,35 @@
           <a:p>
             <a:pPr lvl="0"/>
             <a:r>
-              <a:rPr lang="en-US" smtClean="0"/>
+              <a:rPr lang="en-US"/>
               <a:t>Mastertextformat bearbeiten</a:t>
             </a:r>
           </a:p>
           <a:p>
             <a:pPr lvl="1"/>
             <a:r>
-              <a:rPr lang="en-US" smtClean="0"/>
+              <a:rPr lang="en-US"/>
               <a:t>Zweite Ebene</a:t>
             </a:r>
           </a:p>
           <a:p>
             <a:pPr lvl="2"/>
             <a:r>
-              <a:rPr lang="en-US" smtClean="0"/>
+              <a:rPr lang="en-US"/>
               <a:t>Dritte Ebene</a:t>
             </a:r>
           </a:p>
           <a:p>
             <a:pPr lvl="3"/>
             <a:r>
-              <a:rPr lang="en-US" smtClean="0"/>
+              <a:rPr lang="en-US"/>
               <a:t>Vierte Ebene</a:t>
             </a:r>
           </a:p>
           <a:p>
             <a:pPr lvl="4"/>
             <a:r>
-              <a:rPr lang="en-US" smtClean="0"/>
+              <a:rPr lang="en-US"/>
               <a:t>Fünfte Ebene</a:t>
             </a:r>
           </a:p>
@@ -3704,7 +3679,7 @@
               <a:pPr>
                 <a:defRPr/>
               </a:pPr>
-              <a:t>4/3/2017 6:16 PM</a:t>
+              <a:t>3/18/2021 5:10 AM</a:t>
             </a:fld>
             <a:endParaRPr lang="en-US" dirty="0"/>
           </a:p>
@@ -4514,9 +4489,9 @@
             <a:fld id="{42F8375D-525C-4924-A2DC-15255FBA4C4D}" type="datetime8">
               <a:rPr lang="en-US" smtClean="0"/>
               <a:pPr/>
-              <a:t>4/3/2017 6:16 PM</a:t>
+              <a:t>3/18/2021 5:10 AM</a:t>
             </a:fld>
-            <a:endParaRPr lang="en-US" smtClean="0"/>
+            <a:endParaRPr lang="en-US"/>
           </a:p>
         </p:txBody>
       </p:sp>
@@ -4542,7 +4517,7 @@
               <a:pPr/>
               <a:t>1</a:t>
             </a:fld>
-            <a:endParaRPr lang="en-US" smtClean="0"/>
+            <a:endParaRPr lang="en-US"/>
           </a:p>
         </p:txBody>
       </p:sp>
@@ -4616,7 +4591,7 @@
               <a:buNone/>
             </a:pPr>
             <a:r>
-              <a:rPr lang="en-US" sz="4000" smtClean="0">
+              <a:rPr lang="en-US" sz="4000">
                 <a:solidFill>
                   <a:schemeClr val="bg1"/>
                 </a:solidFill>
@@ -4626,7 +4601,7 @@
               <a:t>Time-Cost Trade-Off</a:t>
             </a:r>
             <a:br>
-              <a:rPr lang="en-US" sz="4000" smtClean="0">
+              <a:rPr lang="en-US" sz="4000">
                 <a:solidFill>
                   <a:schemeClr val="bg1"/>
                 </a:solidFill>
@@ -4635,7 +4610,7 @@
               </a:rPr>
             </a:br>
             <a:r>
-              <a:rPr lang="en-US" sz="2400" smtClean="0">
+              <a:rPr lang="en-US" sz="2400">
                 <a:solidFill>
                   <a:schemeClr val="bg1"/>
                 </a:solidFill>
@@ -4645,24 +4620,14 @@
               <a:t>(Time Reduction = Time Compression = Time Shortening)</a:t>
             </a:r>
             <a:r>
-              <a:rPr lang="en-US" sz="2400" smtClean="0">
+              <a:rPr lang="en-US" sz="2400">
                 <a:latin typeface="Albertus Extra Bold" pitchFamily="34" charset="0"/>
                 <a:cs typeface="Aharoni" pitchFamily="2" charset="-79"/>
               </a:rPr>
               <a:t> </a:t>
             </a:r>
-            <a:r>
-              <a:rPr lang="de-DE" sz="4000" smtClean="0">
-                <a:solidFill>
-                  <a:schemeClr val="bg1"/>
-                </a:solidFill>
-                <a:latin typeface="Albertus Extra Bold" pitchFamily="34" charset="0"/>
-                <a:cs typeface="Aharoni" pitchFamily="2" charset="-79"/>
-              </a:rPr>
-              <a:t/>
-            </a:r>
             <a:br>
-              <a:rPr lang="de-DE" sz="4000" smtClean="0">
+              <a:rPr lang="de-DE" sz="4000">
                 <a:solidFill>
                   <a:schemeClr val="bg1"/>
                 </a:solidFill>
@@ -4670,18 +4635,8 @@
                 <a:cs typeface="Aharoni" pitchFamily="2" charset="-79"/>
               </a:rPr>
             </a:br>
-            <a:r>
-              <a:rPr lang="de-DE" sz="4000" smtClean="0">
-                <a:solidFill>
-                  <a:schemeClr val="bg1"/>
-                </a:solidFill>
-                <a:latin typeface="Albertus Extra Bold" pitchFamily="34" charset="0"/>
-                <a:cs typeface="Aharoni" pitchFamily="2" charset="-79"/>
-              </a:rPr>
-              <a:t/>
-            </a:r>
             <a:br>
-              <a:rPr lang="de-DE" sz="4000" smtClean="0">
+              <a:rPr lang="de-DE" sz="4000">
                 <a:solidFill>
                   <a:schemeClr val="bg1"/>
                 </a:solidFill>
@@ -4689,7 +4644,7 @@
                 <a:cs typeface="Aharoni" pitchFamily="2" charset="-79"/>
               </a:rPr>
             </a:br>
-            <a:endParaRPr lang="de-DE" sz="4000" smtClean="0">
+            <a:endParaRPr lang="de-DE" sz="4000">
               <a:solidFill>
                 <a:schemeClr val="bg1"/>
               </a:solidFill>
@@ -4705,13 +4660,6 @@
     <a:masterClrMapping/>
   </p:clrMapOvr>
   <p:transition spd="slow"/>
-  <p:timing>
-    <p:tnLst>
-      <p:par>
-        <p:cTn id="1" dur="indefinite" restart="never" nodeType="tmRoot"/>
-      </p:par>
-    </p:tnLst>
-  </p:timing>
 </p:sld>
 </file>
 
@@ -4752,9 +4700,9 @@
             <a:fld id="{056ADCF8-4479-4362-88CB-DF54D0E03C0A}" type="datetime8">
               <a:rPr lang="en-US" smtClean="0"/>
               <a:pPr/>
-              <a:t>4/3/2017 6:16 PM</a:t>
+              <a:t>3/18/2021 5:10 AM</a:t>
             </a:fld>
-            <a:endParaRPr lang="en-US" smtClean="0"/>
+            <a:endParaRPr lang="en-US"/>
           </a:p>
         </p:txBody>
       </p:sp>
@@ -4780,7 +4728,7 @@
               <a:pPr/>
               <a:t>10</a:t>
             </a:fld>
-            <a:endParaRPr lang="en-US" smtClean="0"/>
+            <a:endParaRPr lang="en-US"/>
           </a:p>
         </p:txBody>
       </p:sp>
@@ -4829,7 +4777,7 @@
               <a:defRPr/>
             </a:pPr>
             <a:r>
-              <a:rPr lang="en-US" sz="1800" dirty="0" smtClean="0"/>
+              <a:rPr lang="en-US" sz="1800" dirty="0"/>
               <a:t>The relationship between the activity direct cost and activity time may be straight line, continuous curve, discrete values, or point.</a:t>
             </a:r>
           </a:p>
@@ -4844,7 +4792,7 @@
               <a:defRPr/>
             </a:pPr>
             <a:r>
-              <a:rPr lang="en-US" sz="1800" dirty="0" smtClean="0"/>
+              <a:rPr lang="en-US" sz="1800" dirty="0"/>
               <a:t>The direct cost tends to increase if less time is available for activity.</a:t>
             </a:r>
           </a:p>
@@ -4859,7 +4807,7 @@
               <a:defRPr/>
             </a:pPr>
             <a:r>
-              <a:rPr lang="en-US" sz="1800" dirty="0" smtClean="0"/>
+              <a:rPr lang="en-US" sz="1800" dirty="0"/>
               <a:t>Time reduction approach (learned here) will be based on simple linear time-cost trade-off curves for each activity</a:t>
             </a:r>
           </a:p>
@@ -5046,13 +4994,6 @@
     <a:masterClrMapping/>
   </p:clrMapOvr>
   <p:transition spd="slow"/>
-  <p:timing>
-    <p:tnLst>
-      <p:par>
-        <p:cTn id="1" dur="indefinite" restart="never" nodeType="tmRoot"/>
-      </p:par>
-    </p:tnLst>
-  </p:timing>
 </p:sld>
 </file>
 
@@ -5093,9 +5034,9 @@
             <a:fld id="{C6BEA0F3-5CE3-464C-84DE-1564A909DC3B}" type="datetime8">
               <a:rPr lang="en-US" smtClean="0"/>
               <a:pPr/>
-              <a:t>4/3/2017 6:16 PM</a:t>
+              <a:t>3/18/2021 5:10 AM</a:t>
             </a:fld>
-            <a:endParaRPr lang="en-US" smtClean="0"/>
+            <a:endParaRPr lang="en-US"/>
           </a:p>
         </p:txBody>
       </p:sp>
@@ -5121,7 +5062,7 @@
               <a:pPr/>
               <a:t>11</a:t>
             </a:fld>
-            <a:endParaRPr lang="en-US" smtClean="0"/>
+            <a:endParaRPr lang="en-US"/>
           </a:p>
         </p:txBody>
       </p:sp>
@@ -5172,7 +5113,7 @@
               <a:buNone/>
               <a:defRPr/>
             </a:pPr>
-            <a:endParaRPr lang="en-US" sz="1800" b="1" dirty="0" smtClean="0">
+            <a:endParaRPr lang="en-US" sz="1800" b="1" dirty="0">
               <a:solidFill>
                 <a:schemeClr val="accent2"/>
               </a:solidFill>
@@ -5192,7 +5133,7 @@
               <a:defRPr/>
             </a:pPr>
             <a:r>
-              <a:rPr lang="en-US" sz="1800" b="1" dirty="0" smtClean="0">
+              <a:rPr lang="en-US" sz="1800" b="1" dirty="0">
                 <a:solidFill>
                   <a:schemeClr val="accent2"/>
                 </a:solidFill>
@@ -5200,7 +5141,7 @@
               <a:t>Cost slope (</a:t>
             </a:r>
             <a:r>
-              <a:rPr lang="en-US" sz="1800" b="1" i="1" dirty="0" err="1" smtClean="0">
+              <a:rPr lang="en-US" sz="1800" b="1" i="1" dirty="0" err="1">
                 <a:solidFill>
                   <a:schemeClr val="accent2"/>
                 </a:solidFill>
@@ -5208,7 +5149,7 @@
               <a:t>C</a:t>
             </a:r>
             <a:r>
-              <a:rPr lang="en-US" sz="1800" b="1" i="1" baseline="-25000" dirty="0" err="1" smtClean="0">
+              <a:rPr lang="en-US" sz="1800" b="1" i="1" baseline="-25000" dirty="0" err="1">
                 <a:solidFill>
                   <a:schemeClr val="accent2"/>
                 </a:solidFill>
@@ -5216,7 +5157,7 @@
               <a:t>ij</a:t>
             </a:r>
             <a:r>
-              <a:rPr lang="en-US" sz="1800" b="1" dirty="0" smtClean="0">
+              <a:rPr lang="en-US" sz="1800" b="1" dirty="0">
                 <a:solidFill>
                   <a:schemeClr val="accent2"/>
                 </a:solidFill>
@@ -5224,7 +5165,7 @@
               <a:t>) = </a:t>
             </a:r>
             <a:r>
-              <a:rPr lang="en-US" sz="1800" b="1" u="sng" dirty="0" smtClean="0">
+              <a:rPr lang="en-US" sz="1800" b="1" u="sng" dirty="0">
                 <a:solidFill>
                   <a:schemeClr val="accent2"/>
                 </a:solidFill>
@@ -5232,7 +5173,7 @@
               <a:t>Crash cost (</a:t>
             </a:r>
             <a:r>
-              <a:rPr lang="en-US" sz="1800" b="1" i="1" u="sng" dirty="0" err="1" smtClean="0">
+              <a:rPr lang="en-US" sz="1800" b="1" i="1" u="sng" dirty="0" err="1">
                 <a:solidFill>
                   <a:schemeClr val="accent2"/>
                 </a:solidFill>
@@ -5240,7 +5181,7 @@
               <a:t>C</a:t>
             </a:r>
             <a:r>
-              <a:rPr lang="en-US" sz="1800" b="1" i="1" u="sng" baseline="-25000" dirty="0" err="1" smtClean="0">
+              <a:rPr lang="en-US" sz="1800" b="1" i="1" u="sng" baseline="-25000" dirty="0" err="1">
                 <a:solidFill>
                   <a:schemeClr val="accent2"/>
                 </a:solidFill>
@@ -5248,7 +5189,7 @@
               <a:t>d</a:t>
             </a:r>
             <a:r>
-              <a:rPr lang="en-US" sz="1800" b="1" u="sng" dirty="0" smtClean="0">
+              <a:rPr lang="en-US" sz="1800" b="1" u="sng" dirty="0">
                 <a:solidFill>
                   <a:schemeClr val="accent2"/>
                 </a:solidFill>
@@ -5256,7 +5197,7 @@
               <a:t>) - Normal cost(</a:t>
             </a:r>
             <a:r>
-              <a:rPr lang="en-US" sz="1800" b="1" i="1" u="sng" dirty="0" smtClean="0">
+              <a:rPr lang="en-US" sz="1800" b="1" i="1" u="sng" dirty="0">
                 <a:solidFill>
                   <a:schemeClr val="accent2"/>
                 </a:solidFill>
@@ -5264,7 +5205,7 @@
               <a:t>C</a:t>
             </a:r>
             <a:r>
-              <a:rPr lang="en-US" sz="1800" b="1" i="1" u="sng" baseline="-25000" dirty="0" smtClean="0">
+              <a:rPr lang="en-US" sz="1800" b="1" i="1" u="sng" baseline="-25000" dirty="0">
                 <a:solidFill>
                   <a:schemeClr val="accent2"/>
                 </a:solidFill>
@@ -5272,7 +5213,7 @@
               <a:t>D</a:t>
             </a:r>
             <a:r>
-              <a:rPr lang="en-US" sz="1800" b="1" u="sng" dirty="0" smtClean="0">
+              <a:rPr lang="en-US" sz="1800" b="1" u="sng" dirty="0">
                 <a:solidFill>
                   <a:schemeClr val="accent2"/>
                 </a:solidFill>
@@ -5294,7 +5235,7 @@
               <a:defRPr/>
             </a:pPr>
             <a:r>
-              <a:rPr lang="en-US" sz="1800" b="1" dirty="0" smtClean="0">
+              <a:rPr lang="en-US" sz="1800" b="1" dirty="0">
                 <a:solidFill>
                   <a:schemeClr val="accent2"/>
                 </a:solidFill>
@@ -5302,7 +5243,7 @@
               <a:t>                              Normal duration (</a:t>
             </a:r>
             <a:r>
-              <a:rPr lang="en-US" sz="1800" b="1" i="1" dirty="0" smtClean="0">
+              <a:rPr lang="en-US" sz="1800" b="1" i="1" dirty="0">
                 <a:solidFill>
                   <a:schemeClr val="accent2"/>
                 </a:solidFill>
@@ -5310,7 +5251,7 @@
               <a:t>D</a:t>
             </a:r>
             <a:r>
-              <a:rPr lang="en-US" sz="1800" b="1" dirty="0" smtClean="0">
+              <a:rPr lang="en-US" sz="1800" b="1" dirty="0">
                 <a:solidFill>
                   <a:schemeClr val="accent2"/>
                 </a:solidFill>
@@ -5318,7 +5259,7 @@
               <a:t>)- Crash duration(</a:t>
             </a:r>
             <a:r>
-              <a:rPr lang="en-US" sz="1800" b="1" i="1" dirty="0" smtClean="0">
+              <a:rPr lang="en-US" sz="1800" b="1" i="1" dirty="0">
                 <a:solidFill>
                   <a:schemeClr val="accent2"/>
                 </a:solidFill>
@@ -5326,7 +5267,7 @@
               <a:t>d</a:t>
             </a:r>
             <a:r>
-              <a:rPr lang="en-US" sz="1800" b="1" dirty="0" smtClean="0">
+              <a:rPr lang="en-US" sz="1800" b="1" dirty="0">
                 <a:solidFill>
                   <a:schemeClr val="accent2"/>
                 </a:solidFill>
@@ -5347,7 +5288,7 @@
               <a:buNone/>
               <a:defRPr/>
             </a:pPr>
-            <a:endParaRPr lang="en-US" sz="1800" b="1" dirty="0" smtClean="0">
+            <a:endParaRPr lang="en-US" sz="1800" b="1" dirty="0">
               <a:solidFill>
                 <a:schemeClr val="accent2"/>
               </a:solidFill>
@@ -5367,7 +5308,7 @@
               <a:defRPr/>
             </a:pPr>
             <a:r>
-              <a:rPr lang="en-US" sz="1800" b="1" dirty="0" smtClean="0">
+              <a:rPr lang="en-US" sz="1800" b="1" dirty="0">
                 <a:solidFill>
                   <a:schemeClr val="accent2"/>
                 </a:solidFill>
@@ -5375,7 +5316,7 @@
               <a:t>Time Available (</a:t>
             </a:r>
             <a:r>
-              <a:rPr lang="en-US" sz="1800" b="1" i="1" dirty="0" err="1" smtClean="0">
+              <a:rPr lang="en-US" sz="1800" b="1" i="1" dirty="0" err="1">
                 <a:solidFill>
                   <a:schemeClr val="accent2"/>
                 </a:solidFill>
@@ -5383,7 +5324,7 @@
               <a:t>TA</a:t>
             </a:r>
             <a:r>
-              <a:rPr lang="en-US" sz="1800" b="1" i="1" baseline="-25000" dirty="0" err="1" smtClean="0">
+              <a:rPr lang="en-US" sz="1800" b="1" i="1" baseline="-25000" dirty="0" err="1">
                 <a:solidFill>
                   <a:schemeClr val="accent2"/>
                 </a:solidFill>
@@ -5391,7 +5332,7 @@
               <a:t>ij</a:t>
             </a:r>
             <a:r>
-              <a:rPr lang="en-US" sz="1800" b="1" dirty="0" smtClean="0">
+              <a:rPr lang="en-US" sz="1800" b="1" dirty="0">
                 <a:solidFill>
                   <a:schemeClr val="accent2"/>
                 </a:solidFill>
@@ -5399,7 +5340,7 @@
               <a:t>) = [Normal duration (</a:t>
             </a:r>
             <a:r>
-              <a:rPr lang="en-US" sz="1800" b="1" i="1" dirty="0" smtClean="0">
+              <a:rPr lang="en-US" sz="1800" b="1" i="1" dirty="0">
                 <a:solidFill>
                   <a:schemeClr val="accent2"/>
                 </a:solidFill>
@@ -5407,7 +5348,7 @@
               <a:t>D </a:t>
             </a:r>
             <a:r>
-              <a:rPr lang="en-US" sz="1800" b="1" dirty="0" smtClean="0">
+              <a:rPr lang="en-US" sz="1800" b="1" dirty="0">
                 <a:solidFill>
                   <a:schemeClr val="accent2"/>
                 </a:solidFill>
@@ -5415,7 +5356,7 @@
               <a:t>)</a:t>
             </a:r>
             <a:r>
-              <a:rPr lang="en-US" sz="1800" b="1" i="1" dirty="0" smtClean="0">
+              <a:rPr lang="en-US" sz="1800" b="1" i="1" dirty="0">
                 <a:solidFill>
                   <a:schemeClr val="accent2"/>
                 </a:solidFill>
@@ -5423,7 +5364,7 @@
               <a:t> - </a:t>
             </a:r>
             <a:r>
-              <a:rPr lang="en-US" sz="1800" b="1" dirty="0" smtClean="0">
+              <a:rPr lang="en-US" sz="1800" b="1" dirty="0">
                 <a:solidFill>
                   <a:schemeClr val="accent2"/>
                 </a:solidFill>
@@ -5431,7 +5372,7 @@
               <a:t>Crash duration(</a:t>
             </a:r>
             <a:r>
-              <a:rPr lang="en-US" sz="1800" b="1" i="1" dirty="0" smtClean="0">
+              <a:rPr lang="en-US" sz="1800" b="1" i="1" dirty="0">
                 <a:solidFill>
                   <a:schemeClr val="accent2"/>
                 </a:solidFill>
@@ -5439,7 +5380,7 @@
               <a:t>d</a:t>
             </a:r>
             <a:r>
-              <a:rPr lang="en-US" sz="1800" b="1" dirty="0" smtClean="0">
+              <a:rPr lang="en-US" sz="1800" b="1" dirty="0">
                 <a:solidFill>
                   <a:schemeClr val="accent2"/>
                 </a:solidFill>
@@ -5447,14 +5388,14 @@
               <a:t>)]</a:t>
             </a:r>
             <a:r>
-              <a:rPr lang="en-US" sz="1800" b="1" i="1" baseline="-25000" dirty="0" err="1" smtClean="0">
+              <a:rPr lang="en-US" sz="1800" b="1" i="1" baseline="-25000" dirty="0" err="1">
                 <a:solidFill>
                   <a:schemeClr val="accent2"/>
                 </a:solidFill>
               </a:rPr>
               <a:t>ij</a:t>
             </a:r>
-            <a:endParaRPr lang="en-US" sz="1800" b="1" i="1" baseline="-25000" dirty="0" smtClean="0">
+            <a:endParaRPr lang="en-US" sz="1800" b="1" i="1" baseline="-25000" dirty="0">
               <a:solidFill>
                 <a:schemeClr val="accent2"/>
               </a:solidFill>
@@ -5473,7 +5414,7 @@
               <a:buNone/>
               <a:defRPr/>
             </a:pPr>
-            <a:endParaRPr lang="en-US" sz="1800" b="1" dirty="0" smtClean="0">
+            <a:endParaRPr lang="en-US" sz="1800" b="1" dirty="0">
               <a:solidFill>
                 <a:schemeClr val="accent2"/>
               </a:solidFill>
@@ -5493,7 +5434,7 @@
               <a:defRPr/>
             </a:pPr>
             <a:r>
-              <a:rPr lang="en-US" sz="1800" b="1" dirty="0" smtClean="0">
+              <a:rPr lang="en-US" sz="1800" b="1" dirty="0">
                 <a:solidFill>
                   <a:schemeClr val="accent2"/>
                 </a:solidFill>
@@ -5501,7 +5442,7 @@
               <a:t>Effective Cost Slope (</a:t>
             </a:r>
             <a:r>
-              <a:rPr lang="en-US" sz="1800" b="1" i="1" dirty="0" err="1" smtClean="0">
+              <a:rPr lang="en-US" sz="1800" b="1" i="1" dirty="0" err="1">
                 <a:solidFill>
                   <a:schemeClr val="accent2"/>
                 </a:solidFill>
@@ -5509,7 +5450,7 @@
               <a:t>EC</a:t>
             </a:r>
             <a:r>
-              <a:rPr lang="en-US" sz="1800" b="1" i="1" baseline="-25000" dirty="0" err="1" smtClean="0">
+              <a:rPr lang="en-US" sz="1800" b="1" i="1" baseline="-25000" dirty="0" err="1">
                 <a:solidFill>
                   <a:schemeClr val="accent2"/>
                 </a:solidFill>
@@ -5517,7 +5458,7 @@
               <a:t>ij</a:t>
             </a:r>
             <a:r>
-              <a:rPr lang="en-US" sz="1800" b="1" dirty="0" smtClean="0">
+              <a:rPr lang="en-US" sz="1800" b="1" dirty="0">
                 <a:solidFill>
                   <a:schemeClr val="accent2"/>
                 </a:solidFill>
@@ -5525,7 +5466,7 @@
               <a:t>) = </a:t>
             </a:r>
             <a:r>
-              <a:rPr lang="en-US" sz="1800" b="1" u="sng" dirty="0" smtClean="0">
+              <a:rPr lang="en-US" sz="1800" b="1" u="sng" dirty="0">
                 <a:solidFill>
                   <a:schemeClr val="accent2"/>
                 </a:solidFill>
@@ -5533,7 +5474,7 @@
               <a:t>Cost slope (</a:t>
             </a:r>
             <a:r>
-              <a:rPr lang="en-US" sz="1800" b="1" i="1" u="sng" dirty="0" err="1" smtClean="0">
+              <a:rPr lang="en-US" sz="1800" b="1" i="1" u="sng" dirty="0" err="1">
                 <a:solidFill>
                   <a:schemeClr val="accent2"/>
                 </a:solidFill>
@@ -5541,7 +5482,7 @@
               <a:t>C</a:t>
             </a:r>
             <a:r>
-              <a:rPr lang="en-US" sz="1800" b="1" i="1" u="sng" baseline="-25000" dirty="0" err="1" smtClean="0">
+              <a:rPr lang="en-US" sz="1800" b="1" i="1" u="sng" baseline="-25000" dirty="0" err="1">
                 <a:solidFill>
                   <a:schemeClr val="accent2"/>
                 </a:solidFill>
@@ -5549,7 +5490,7 @@
               <a:t>ij</a:t>
             </a:r>
             <a:r>
-              <a:rPr lang="en-US" sz="1800" b="1" u="sng" dirty="0" smtClean="0">
+              <a:rPr lang="en-US" sz="1800" b="1" u="sng" dirty="0">
                 <a:solidFill>
                   <a:schemeClr val="accent2"/>
                 </a:solidFill>
@@ -5571,7 +5512,7 @@
               <a:defRPr/>
             </a:pPr>
             <a:r>
-              <a:rPr lang="en-US" sz="1800" b="1" dirty="0" smtClean="0">
+              <a:rPr lang="en-US" sz="1800" b="1" dirty="0">
                 <a:solidFill>
                   <a:schemeClr val="accent2"/>
                 </a:solidFill>
@@ -5579,7 +5520,7 @@
               <a:t>                                                 Number of inadequately shortened paths (</a:t>
             </a:r>
             <a:r>
-              <a:rPr lang="en-US" sz="1800" b="1" i="1" dirty="0" err="1" smtClean="0">
+              <a:rPr lang="en-US" sz="1800" b="1" i="1" dirty="0" err="1">
                 <a:solidFill>
                   <a:schemeClr val="accent2"/>
                 </a:solidFill>
@@ -5587,7 +5528,7 @@
               <a:t>N</a:t>
             </a:r>
             <a:r>
-              <a:rPr lang="en-US" sz="1800" b="1" i="1" baseline="-25000" dirty="0" err="1" smtClean="0">
+              <a:rPr lang="en-US" sz="1800" b="1" i="1" baseline="-25000" dirty="0" err="1">
                 <a:solidFill>
                   <a:schemeClr val="accent2"/>
                 </a:solidFill>
@@ -5595,7 +5536,7 @@
               <a:t>ij</a:t>
             </a:r>
             <a:r>
-              <a:rPr lang="en-US" sz="1800" b="1" dirty="0" smtClean="0">
+              <a:rPr lang="en-US" sz="1800" b="1" dirty="0">
                 <a:solidFill>
                   <a:schemeClr val="accent2"/>
                 </a:solidFill>
@@ -5616,7 +5557,7 @@
               <a:buNone/>
               <a:defRPr/>
             </a:pPr>
-            <a:endParaRPr lang="en-US" sz="1800" b="1" dirty="0" smtClean="0">
+            <a:endParaRPr lang="en-US" sz="1800" b="1" dirty="0">
               <a:solidFill>
                 <a:schemeClr val="accent2"/>
               </a:solidFill>
@@ -5635,7 +5576,7 @@
               <a:buNone/>
               <a:defRPr/>
             </a:pPr>
-            <a:endParaRPr lang="en-US" sz="1800" b="1" dirty="0" smtClean="0">
+            <a:endParaRPr lang="en-US" sz="1800" b="1" dirty="0">
               <a:solidFill>
                 <a:schemeClr val="accent2"/>
               </a:solidFill>
@@ -5696,7 +5637,7 @@
               <a:defRPr/>
             </a:pPr>
             <a:r>
-              <a:rPr lang="en-US" sz="2800" dirty="0" smtClean="0">
+              <a:rPr lang="en-US" sz="2800" dirty="0">
                 <a:solidFill>
                   <a:srgbClr val="FF0000"/>
                 </a:solidFill>
@@ -5731,13 +5672,6 @@
     <a:masterClrMapping/>
   </p:clrMapOvr>
   <p:transition spd="slow"/>
-  <p:timing>
-    <p:tnLst>
-      <p:par>
-        <p:cTn id="1" dur="indefinite" restart="never" nodeType="tmRoot"/>
-      </p:par>
-    </p:tnLst>
-  </p:timing>
 </p:sld>
 </file>
 
@@ -5778,9 +5712,9 @@
             <a:fld id="{D0B5B08F-EFBD-4B46-8654-C91CB31EF4A8}" type="datetime8">
               <a:rPr lang="en-US" smtClean="0"/>
               <a:pPr/>
-              <a:t>4/3/2017 6:16 PM</a:t>
+              <a:t>3/18/2021 5:10 AM</a:t>
             </a:fld>
-            <a:endParaRPr lang="en-US" smtClean="0"/>
+            <a:endParaRPr lang="en-US"/>
           </a:p>
         </p:txBody>
       </p:sp>
@@ -5806,7 +5740,7 @@
               <a:pPr/>
               <a:t>12</a:t>
             </a:fld>
-            <a:endParaRPr lang="en-US" smtClean="0"/>
+            <a:endParaRPr lang="en-US"/>
           </a:p>
         </p:txBody>
       </p:sp>
@@ -5855,7 +5789,7 @@
               <a:defRPr/>
             </a:pPr>
             <a:r>
-              <a:rPr lang="en-US" sz="1800" dirty="0" smtClean="0"/>
+              <a:rPr lang="en-US" sz="1800" dirty="0"/>
               <a:t>The indirect cost tends to increase if more time is consumed for the project. The indirect cost is generally vary approximately linearly with the time.</a:t>
             </a:r>
           </a:p>
@@ -6224,13 +6158,6 @@
     <a:masterClrMapping/>
   </p:clrMapOvr>
   <p:transition spd="slow"/>
-  <p:timing>
-    <p:tnLst>
-      <p:par>
-        <p:cTn id="1" dur="indefinite" restart="never" nodeType="tmRoot"/>
-      </p:par>
-    </p:tnLst>
-  </p:timing>
 </p:sld>
 </file>
 
@@ -6271,9 +6198,9 @@
             <a:fld id="{AC00E2B7-58B0-4BEC-ACD0-4F1A0C93D1AB}" type="datetime8">
               <a:rPr lang="en-US" smtClean="0"/>
               <a:pPr/>
-              <a:t>4/3/2017 6:16 PM</a:t>
+              <a:t>3/18/2021 5:10 AM</a:t>
             </a:fld>
-            <a:endParaRPr lang="en-US" smtClean="0"/>
+            <a:endParaRPr lang="en-US"/>
           </a:p>
         </p:txBody>
       </p:sp>
@@ -6299,7 +6226,7 @@
               <a:pPr/>
               <a:t>13</a:t>
             </a:fld>
-            <a:endParaRPr lang="en-US" smtClean="0"/>
+            <a:endParaRPr lang="en-US"/>
           </a:p>
         </p:txBody>
       </p:sp>
@@ -6566,13 +6493,6 @@
     <a:masterClrMapping/>
   </p:clrMapOvr>
   <p:transition spd="slow"/>
-  <p:timing>
-    <p:tnLst>
-      <p:par>
-        <p:cTn id="1" dur="indefinite" restart="never" nodeType="tmRoot"/>
-      </p:par>
-    </p:tnLst>
-  </p:timing>
 </p:sld>
 </file>
 
@@ -6613,9 +6533,9 @@
             <a:fld id="{C6BEA0F3-5CE3-464C-84DE-1564A909DC3B}" type="datetime8">
               <a:rPr lang="en-US" smtClean="0"/>
               <a:pPr/>
-              <a:t>4/3/2017 6:16 PM</a:t>
+              <a:t>3/18/2021 5:10 AM</a:t>
             </a:fld>
-            <a:endParaRPr lang="en-US" smtClean="0"/>
+            <a:endParaRPr lang="en-US"/>
           </a:p>
         </p:txBody>
       </p:sp>
@@ -6641,7 +6561,7 @@
               <a:pPr/>
               <a:t>14</a:t>
             </a:fld>
-            <a:endParaRPr lang="en-US" smtClean="0"/>
+            <a:endParaRPr lang="en-US"/>
           </a:p>
         </p:txBody>
       </p:sp>
@@ -6690,31 +6610,31 @@
               <a:defRPr/>
             </a:pPr>
             <a:r>
-              <a:rPr lang="en-US" sz="2000" dirty="0" smtClean="0"/>
+              <a:rPr lang="en-US" sz="2000" dirty="0"/>
               <a:t>Prepare the project Network and time estimates, and list in columns all paths through the network whose expected lengths are greater than the desired (schedule) project duration, </a:t>
             </a:r>
             <a:r>
-              <a:rPr lang="en-US" sz="2000" i="1" dirty="0" smtClean="0"/>
+              <a:rPr lang="en-US" sz="2000" i="1" dirty="0"/>
               <a:t>T</a:t>
             </a:r>
             <a:r>
-              <a:rPr lang="en-US" sz="2000" i="1" baseline="-25000" dirty="0" smtClean="0"/>
+              <a:rPr lang="en-US" sz="2000" i="1" baseline="-25000" dirty="0"/>
               <a:t>s</a:t>
             </a:r>
             <a:r>
-              <a:rPr lang="en-US" sz="2000" dirty="0" smtClean="0"/>
+              <a:rPr lang="en-US" sz="2000" dirty="0"/>
               <a:t>. The length of a path in question. Also, note at the bottom of each path column (row marked iteration 0), the time reduction that is required, i.e. expected path length minus </a:t>
             </a:r>
             <a:r>
-              <a:rPr lang="en-US" sz="2000" i="1" dirty="0" smtClean="0"/>
+              <a:rPr lang="en-US" sz="2000" i="1" dirty="0"/>
               <a:t>T</a:t>
             </a:r>
             <a:r>
-              <a:rPr lang="en-US" sz="2000" i="1" baseline="-25000" dirty="0" smtClean="0"/>
+              <a:rPr lang="en-US" sz="2000" i="1" baseline="-25000" dirty="0"/>
               <a:t>s</a:t>
             </a:r>
             <a:r>
-              <a:rPr lang="en-US" sz="2000" dirty="0" smtClean="0"/>
+              <a:rPr lang="en-US" sz="2000" dirty="0"/>
               <a:t>.</a:t>
             </a:r>
           </a:p>
@@ -6729,31 +6649,31 @@
               <a:defRPr/>
             </a:pPr>
             <a:r>
-              <a:rPr lang="en-US" sz="2000" dirty="0" smtClean="0"/>
+              <a:rPr lang="en-US" sz="2000" dirty="0"/>
               <a:t>List (in row) all activities present in at least one of the listed paths noting for each activity its cost slope, </a:t>
             </a:r>
             <a:r>
-              <a:rPr lang="en-US" sz="2000" i="1" dirty="0" err="1" smtClean="0"/>
+              <a:rPr lang="en-US" sz="2000" i="1" dirty="0" err="1"/>
               <a:t>C</a:t>
             </a:r>
             <a:r>
-              <a:rPr lang="en-US" sz="2000" i="1" baseline="-25000" dirty="0" err="1" smtClean="0"/>
+              <a:rPr lang="en-US" sz="2000" i="1" baseline="-25000" dirty="0" err="1"/>
               <a:t>ij</a:t>
             </a:r>
             <a:r>
-              <a:rPr lang="en-US" sz="2000" dirty="0" smtClean="0"/>
+              <a:rPr lang="en-US" sz="2000" dirty="0"/>
               <a:t> , and time reduction available, </a:t>
             </a:r>
             <a:r>
-              <a:rPr lang="en-US" sz="2000" i="1" dirty="0" err="1" smtClean="0"/>
+              <a:rPr lang="en-US" sz="2000" i="1" dirty="0" err="1"/>
               <a:t>TA</a:t>
             </a:r>
             <a:r>
-              <a:rPr lang="en-US" sz="2000" i="1" baseline="-25000" dirty="0" err="1" smtClean="0"/>
+              <a:rPr lang="en-US" sz="2000" i="1" baseline="-25000" dirty="0" err="1"/>
               <a:t>ij</a:t>
             </a:r>
             <a:r>
-              <a:rPr lang="en-US" sz="2000" dirty="0" smtClean="0"/>
+              <a:rPr lang="en-US" sz="2000" dirty="0"/>
               <a:t>.</a:t>
             </a:r>
           </a:p>
@@ -6768,19 +6688,19 @@
               <a:defRPr/>
             </a:pPr>
             <a:r>
-              <a:rPr lang="en-US" sz="2000" dirty="0" smtClean="0"/>
+              <a:rPr lang="en-US" sz="2000" dirty="0"/>
               <a:t>Compute the effective cost slopes, </a:t>
             </a:r>
             <a:r>
-              <a:rPr lang="en-US" sz="2000" i="1" dirty="0" err="1" smtClean="0"/>
+              <a:rPr lang="en-US" sz="2000" i="1" dirty="0" err="1"/>
               <a:t>EC</a:t>
             </a:r>
             <a:r>
-              <a:rPr lang="en-US" sz="2000" i="1" baseline="-25000" dirty="0" err="1" smtClean="0"/>
+              <a:rPr lang="en-US" sz="2000" i="1" baseline="-25000" dirty="0" err="1"/>
               <a:t>ij</a:t>
             </a:r>
             <a:r>
-              <a:rPr lang="en-US" sz="2000" dirty="0" smtClean="0"/>
+              <a:rPr lang="en-US" sz="2000" dirty="0"/>
               <a:t>, and record them in the column headed iteration 1.</a:t>
             </a:r>
           </a:p>
@@ -6874,13 +6794,6 @@
     <a:masterClrMapping/>
   </p:clrMapOvr>
   <p:transition spd="slow"/>
-  <p:timing>
-    <p:tnLst>
-      <p:par>
-        <p:cTn id="1" dur="indefinite" restart="never" nodeType="tmRoot"/>
-      </p:par>
-    </p:tnLst>
-  </p:timing>
 </p:sld>
 </file>
 
@@ -6921,9 +6834,9 @@
             <a:fld id="{C6BEA0F3-5CE3-464C-84DE-1564A909DC3B}" type="datetime8">
               <a:rPr lang="en-US" smtClean="0"/>
               <a:pPr/>
-              <a:t>4/3/2017 6:16 PM</a:t>
+              <a:t>3/18/2021 5:10 AM</a:t>
             </a:fld>
-            <a:endParaRPr lang="en-US" smtClean="0"/>
+            <a:endParaRPr lang="en-US"/>
           </a:p>
         </p:txBody>
       </p:sp>
@@ -6949,7 +6862,7 @@
               <a:pPr/>
               <a:t>15</a:t>
             </a:fld>
-            <a:endParaRPr lang="en-US" smtClean="0"/>
+            <a:endParaRPr lang="en-US"/>
           </a:p>
         </p:txBody>
       </p:sp>
@@ -6998,7 +6911,7 @@
               <a:defRPr/>
             </a:pPr>
             <a:r>
-              <a:rPr lang="en-US" sz="2000" dirty="0" smtClean="0"/>
+              <a:rPr lang="en-US" sz="2000" dirty="0"/>
               <a:t>For the path(s) with the most remaining time reduction required, select the activity with the lowest effective cost slope. Break ties by considering the following ordered list:</a:t>
             </a:r>
           </a:p>
@@ -7013,7 +6926,7 @@
               <a:defRPr/>
             </a:pPr>
             <a:r>
-              <a:rPr lang="en-US" sz="2000" dirty="0" smtClean="0"/>
+              <a:rPr lang="en-US" sz="2000" dirty="0"/>
               <a:t>Give preference to the activity which lies on the greatest number of inadequately shortened paths.</a:t>
             </a:r>
           </a:p>
@@ -7028,7 +6941,7 @@
               <a:defRPr/>
             </a:pPr>
             <a:r>
-              <a:rPr lang="en-US" sz="2000" dirty="0" smtClean="0"/>
+              <a:rPr lang="en-US" sz="2000" dirty="0"/>
               <a:t>Give preference to the activity which permits the greatest amount of shortening.</a:t>
             </a:r>
           </a:p>
@@ -7043,7 +6956,7 @@
               <a:defRPr/>
             </a:pPr>
             <a:r>
-              <a:rPr lang="en-US" sz="2000" dirty="0" smtClean="0"/>
+              <a:rPr lang="en-US" sz="2000" dirty="0"/>
               <a:t>Choose an activity at random.</a:t>
             </a:r>
           </a:p>
@@ -7058,15 +6971,15 @@
               <a:defRPr/>
             </a:pPr>
             <a:r>
-              <a:rPr lang="en-US" sz="2000" dirty="0" smtClean="0"/>
+              <a:rPr lang="en-US" sz="2000" dirty="0"/>
               <a:t>Shorten the selected activity (</a:t>
             </a:r>
             <a:r>
-              <a:rPr lang="en-US" sz="2000" dirty="0" err="1" smtClean="0"/>
+              <a:rPr lang="en-US" sz="2000" dirty="0" err="1"/>
               <a:t>i</a:t>
             </a:r>
             <a:r>
-              <a:rPr lang="en-US" sz="2000" dirty="0" smtClean="0"/>
+              <a:rPr lang="en-US" sz="2000" dirty="0"/>
               <a:t>-j) as much as possible, which will be equal to the minimum of the following:</a:t>
             </a:r>
           </a:p>
@@ -7081,15 +6994,15 @@
               <a:defRPr/>
             </a:pPr>
             <a:r>
-              <a:rPr lang="en-US" sz="2000" dirty="0" smtClean="0"/>
+              <a:rPr lang="en-US" sz="2000" dirty="0"/>
               <a:t>The unallocated time remaining for the selected activity (</a:t>
             </a:r>
             <a:r>
-              <a:rPr lang="en-US" sz="2000" dirty="0" err="1" smtClean="0"/>
+              <a:rPr lang="en-US" sz="2000" dirty="0" err="1"/>
               <a:t>i</a:t>
             </a:r>
             <a:r>
-              <a:rPr lang="en-US" sz="2000" dirty="0" smtClean="0"/>
+              <a:rPr lang="en-US" sz="2000" dirty="0"/>
               <a:t>-j), or </a:t>
             </a:r>
           </a:p>
@@ -7104,15 +7017,15 @@
               <a:defRPr/>
             </a:pPr>
             <a:r>
-              <a:rPr lang="en-US" sz="2000" dirty="0" smtClean="0"/>
+              <a:rPr lang="en-US" sz="2000" dirty="0"/>
               <a:t>The smallest demand of those inadequately shortened paths containing the activity (</a:t>
             </a:r>
             <a:r>
-              <a:rPr lang="en-US" sz="2000" dirty="0" err="1" smtClean="0"/>
+              <a:rPr lang="en-US" sz="2000" dirty="0" err="1"/>
               <a:t>i</a:t>
             </a:r>
             <a:r>
-              <a:rPr lang="en-US" sz="2000" dirty="0" smtClean="0"/>
+              <a:rPr lang="en-US" sz="2000" dirty="0"/>
               <a:t>-j).</a:t>
             </a:r>
           </a:p>
@@ -7206,13 +7119,6 @@
     <a:masterClrMapping/>
   </p:clrMapOvr>
   <p:transition spd="slow"/>
-  <p:timing>
-    <p:tnLst>
-      <p:par>
-        <p:cTn id="1" dur="indefinite" restart="never" nodeType="tmRoot"/>
-      </p:par>
-    </p:tnLst>
-  </p:timing>
 </p:sld>
 </file>
 
@@ -7253,9 +7159,9 @@
             <a:fld id="{C6BEA0F3-5CE3-464C-84DE-1564A909DC3B}" type="datetime8">
               <a:rPr lang="en-US" smtClean="0"/>
               <a:pPr/>
-              <a:t>4/3/2017 6:16 PM</a:t>
+              <a:t>3/18/2021 5:10 AM</a:t>
             </a:fld>
-            <a:endParaRPr lang="en-US" smtClean="0"/>
+            <a:endParaRPr lang="en-US"/>
           </a:p>
         </p:txBody>
       </p:sp>
@@ -7281,7 +7187,7 @@
               <a:pPr/>
               <a:t>16</a:t>
             </a:fld>
-            <a:endParaRPr lang="en-US" smtClean="0"/>
+            <a:endParaRPr lang="en-US"/>
           </a:p>
         </p:txBody>
       </p:sp>
@@ -7330,15 +7236,15 @@
               <a:defRPr/>
             </a:pPr>
             <a:r>
-              <a:rPr lang="en-US" sz="2000" dirty="0" smtClean="0"/>
+              <a:rPr lang="en-US" sz="2000" dirty="0"/>
               <a:t>Sell back, or </a:t>
             </a:r>
             <a:r>
-              <a:rPr lang="en-US" sz="2000" dirty="0" err="1" smtClean="0"/>
+              <a:rPr lang="en-US" sz="2000" dirty="0" err="1"/>
               <a:t>deshorten</a:t>
             </a:r>
             <a:r>
-              <a:rPr lang="en-US" sz="2000" dirty="0" smtClean="0"/>
+              <a:rPr lang="en-US" sz="2000" dirty="0"/>
               <a:t>, as much time possible on paths that have been overcut, as long as this action does not cause any new paths to become inadequately shortened.</a:t>
             </a:r>
           </a:p>
@@ -7353,7 +7259,7 @@
               <a:defRPr/>
             </a:pPr>
             <a:r>
-              <a:rPr lang="en-US" sz="2000" dirty="0" smtClean="0"/>
+              <a:rPr lang="en-US" sz="2000" dirty="0"/>
               <a:t>Stop of all paths have been adequately shortened. If not, recalculate those effective cost-slopes where any of the following have occurred:</a:t>
             </a:r>
           </a:p>
@@ -7368,7 +7274,7 @@
               <a:defRPr/>
             </a:pPr>
             <a:r>
-              <a:rPr lang="en-US" sz="2000" dirty="0" smtClean="0"/>
+              <a:rPr lang="en-US" sz="2000" dirty="0"/>
               <a:t>A path which was inadequately shortened prior to this iteration, has been adequately shortened, or</a:t>
             </a:r>
           </a:p>
@@ -7383,7 +7289,7 @@
               <a:defRPr/>
             </a:pPr>
             <a:r>
-              <a:rPr lang="en-US" sz="2000" dirty="0" smtClean="0"/>
+              <a:rPr lang="en-US" sz="2000" dirty="0"/>
               <a:t>All unallocated time for the activity just shortened has been consumed and there are one or more additional cost-slope/supply pairs for this activity.</a:t>
             </a:r>
           </a:p>
@@ -7398,7 +7304,7 @@
               <a:defRPr/>
             </a:pPr>
             <a:r>
-              <a:rPr lang="en-US" sz="2000" dirty="0" smtClean="0"/>
+              <a:rPr lang="en-US" sz="2000" dirty="0"/>
               <a:t>Return to Step 4.</a:t>
             </a:r>
           </a:p>
@@ -7492,13 +7398,6 @@
     <a:masterClrMapping/>
   </p:clrMapOvr>
   <p:transition spd="slow"/>
-  <p:timing>
-    <p:tnLst>
-      <p:par>
-        <p:cTn id="1" dur="indefinite" restart="never" nodeType="tmRoot"/>
-      </p:par>
-    </p:tnLst>
-  </p:timing>
 </p:sld>
 </file>
 
@@ -7539,9 +7438,9 @@
             <a:fld id="{15CAB975-F2F3-4C69-B359-994F1816A581}" type="datetime8">
               <a:rPr lang="en-US" smtClean="0"/>
               <a:pPr/>
-              <a:t>4/3/2017 6:16 PM</a:t>
+              <a:t>3/18/2021 5:10 AM</a:t>
             </a:fld>
-            <a:endParaRPr lang="en-US" smtClean="0"/>
+            <a:endParaRPr lang="en-US"/>
           </a:p>
         </p:txBody>
       </p:sp>
@@ -7567,7 +7466,7 @@
               <a:pPr/>
               <a:t>17</a:t>
             </a:fld>
-            <a:endParaRPr lang="en-US" smtClean="0"/>
+            <a:endParaRPr lang="en-US"/>
           </a:p>
         </p:txBody>
       </p:sp>
@@ -7612,10 +7511,9 @@
               <a:defRPr/>
             </a:pPr>
             <a:r>
-              <a:rPr lang="en-US" dirty="0" smtClean="0"/>
+              <a:rPr lang="en-US" dirty="0"/>
               <a:t>The below network shows the activities of a small engineering project. Data of the project is given in the below table. The indirect cost is estimated to be SR100/day. Draw the contract total cost/time curve and determine the optimum contract duration.</a:t>
             </a:r>
-            <a:endParaRPr lang="en-US" dirty="0"/>
           </a:p>
         </p:txBody>
       </p:sp>
@@ -7713,18 +7611,48 @@
         </p:nvGraphicFramePr>
         <p:xfrm>
           <a:off x="1752600" y="2286000"/>
-          <a:ext cx="6096000" cy="3329940"/>
+          <a:ext cx="6096000" cy="3089910"/>
         </p:xfrm>
         <a:graphic>
           <a:graphicData uri="http://schemas.openxmlformats.org/drawingml/2006/table">
             <a:tbl>
               <a:tblPr/>
               <a:tblGrid>
-                <a:gridCol w="1219200"/>
-                <a:gridCol w="1219200"/>
-                <a:gridCol w="1219200"/>
-                <a:gridCol w="1219200"/>
-                <a:gridCol w="1219200"/>
+                <a:gridCol w="1219200">
+                  <a:extLst>
+                    <a:ext uri="{9D8B030D-6E8A-4147-A177-3AD203B41FA5}">
+                      <a16:colId xmlns:a16="http://schemas.microsoft.com/office/drawing/2014/main" val="20000"/>
+                    </a:ext>
+                  </a:extLst>
+                </a:gridCol>
+                <a:gridCol w="1219200">
+                  <a:extLst>
+                    <a:ext uri="{9D8B030D-6E8A-4147-A177-3AD203B41FA5}">
+                      <a16:colId xmlns:a16="http://schemas.microsoft.com/office/drawing/2014/main" val="20001"/>
+                    </a:ext>
+                  </a:extLst>
+                </a:gridCol>
+                <a:gridCol w="1219200">
+                  <a:extLst>
+                    <a:ext uri="{9D8B030D-6E8A-4147-A177-3AD203B41FA5}">
+                      <a16:colId xmlns:a16="http://schemas.microsoft.com/office/drawing/2014/main" val="20002"/>
+                    </a:ext>
+                  </a:extLst>
+                </a:gridCol>
+                <a:gridCol w="1219200">
+                  <a:extLst>
+                    <a:ext uri="{9D8B030D-6E8A-4147-A177-3AD203B41FA5}">
+                      <a16:colId xmlns:a16="http://schemas.microsoft.com/office/drawing/2014/main" val="20003"/>
+                    </a:ext>
+                  </a:extLst>
+                </a:gridCol>
+                <a:gridCol w="1219200">
+                  <a:extLst>
+                    <a:ext uri="{9D8B030D-6E8A-4147-A177-3AD203B41FA5}">
+                      <a16:colId xmlns:a16="http://schemas.microsoft.com/office/drawing/2014/main" val="20004"/>
+                    </a:ext>
+                  </a:extLst>
+                </a:gridCol>
               </a:tblGrid>
               <a:tr h="0">
                 <a:tc rowSpan="2">
@@ -7939,6 +7867,11 @@
                   </a:txBody>
                   <a:tcPr/>
                 </a:tc>
+                <a:extLst>
+                  <a:ext uri="{0D108BD9-81ED-4DB2-BD59-A6C34878D82A}">
+                    <a16:rowId xmlns:a16="http://schemas.microsoft.com/office/drawing/2014/main" val="10000"/>
+                  </a:ext>
+                </a:extLst>
               </a:tr>
               <a:tr h="0">
                 <a:tc vMerge="1">
@@ -8207,6 +8140,11 @@
                     </a:solidFill>
                   </a:tcPr>
                 </a:tc>
+                <a:extLst>
+                  <a:ext uri="{0D108BD9-81ED-4DB2-BD59-A6C34878D82A}">
+                    <a16:rowId xmlns:a16="http://schemas.microsoft.com/office/drawing/2014/main" val="10001"/>
+                  </a:ext>
+                </a:extLst>
               </a:tr>
               <a:tr h="0">
                 <a:tc>
@@ -8287,16 +8225,12 @@
                         </a:spcAft>
                       </a:pPr>
                       <a:r>
-                        <a:rPr lang="en-US" sz="1900" dirty="0" smtClean="0">
+                        <a:rPr lang="en-US" sz="1900" dirty="0">
                           <a:latin typeface="Times New Roman"/>
                           <a:ea typeface="Times New Roman"/>
                         </a:rPr>
                         <a:t>4</a:t>
                       </a:r>
-                      <a:endParaRPr lang="en-US" sz="1900" dirty="0">
-                        <a:latin typeface="Times New Roman"/>
-                        <a:ea typeface="Times New Roman"/>
-                      </a:endParaRPr>
                     </a:p>
                   </a:txBody>
                   <a:tcPr marL="68580" marR="68580" marT="0" marB="0" anchor="ctr">
@@ -8355,16 +8289,12 @@
                         </a:spcAft>
                       </a:pPr>
                       <a:r>
-                        <a:rPr lang="en-US" sz="1900" dirty="0" smtClean="0">
+                        <a:rPr lang="en-US" sz="1900" dirty="0">
                           <a:latin typeface="Times New Roman"/>
                           <a:ea typeface="Times New Roman"/>
                         </a:rPr>
                         <a:t>3</a:t>
                       </a:r>
-                      <a:endParaRPr lang="en-US" sz="1900" dirty="0">
-                        <a:latin typeface="Times New Roman"/>
-                        <a:ea typeface="Times New Roman"/>
-                      </a:endParaRPr>
                     </a:p>
                   </a:txBody>
                   <a:tcPr marL="68580" marR="68580" marT="0" marB="0" anchor="ctr">
@@ -8423,16 +8353,12 @@
                         </a:spcAft>
                       </a:pPr>
                       <a:r>
-                        <a:rPr lang="en-US" sz="1900" dirty="0" smtClean="0">
+                        <a:rPr lang="en-US" sz="1900" dirty="0">
                           <a:latin typeface="Times New Roman"/>
                           <a:ea typeface="Times New Roman"/>
                         </a:rPr>
                         <a:t>210</a:t>
                       </a:r>
-                      <a:endParaRPr lang="en-US" sz="1900" dirty="0">
-                        <a:latin typeface="Times New Roman"/>
-                        <a:ea typeface="Times New Roman"/>
-                      </a:endParaRPr>
                     </a:p>
                   </a:txBody>
                   <a:tcPr marL="68580" marR="68580" marT="0" marB="0" anchor="ctr">
@@ -8491,16 +8417,12 @@
                         </a:spcAft>
                       </a:pPr>
                       <a:r>
-                        <a:rPr lang="en-US" sz="1900" dirty="0" smtClean="0">
+                        <a:rPr lang="en-US" sz="1900" dirty="0">
                           <a:latin typeface="Times New Roman"/>
                           <a:ea typeface="Times New Roman"/>
                         </a:rPr>
                         <a:t>280</a:t>
                       </a:r>
-                      <a:endParaRPr lang="en-US" sz="1900" dirty="0">
-                        <a:latin typeface="Times New Roman"/>
-                        <a:ea typeface="Times New Roman"/>
-                      </a:endParaRPr>
                     </a:p>
                   </a:txBody>
                   <a:tcPr marL="68580" marR="68580" marT="0" marB="0" anchor="ctr">
@@ -8545,6 +8467,11 @@
                     </a:solidFill>
                   </a:tcPr>
                 </a:tc>
+                <a:extLst>
+                  <a:ext uri="{0D108BD9-81ED-4DB2-BD59-A6C34878D82A}">
+                    <a16:rowId xmlns:a16="http://schemas.microsoft.com/office/drawing/2014/main" val="10002"/>
+                  </a:ext>
+                </a:extLst>
               </a:tr>
               <a:tr h="0">
                 <a:tc>
@@ -8625,16 +8552,12 @@
                         </a:spcAft>
                       </a:pPr>
                       <a:r>
-                        <a:rPr lang="en-US" sz="1900" dirty="0" smtClean="0">
+                        <a:rPr lang="en-US" sz="1900" dirty="0">
                           <a:latin typeface="Times New Roman"/>
                           <a:ea typeface="Times New Roman"/>
                         </a:rPr>
                         <a:t>8</a:t>
                       </a:r>
-                      <a:endParaRPr lang="en-US" sz="1900" dirty="0">
-                        <a:latin typeface="Times New Roman"/>
-                        <a:ea typeface="Times New Roman"/>
-                      </a:endParaRPr>
                     </a:p>
                   </a:txBody>
                   <a:tcPr marL="68580" marR="68580" marT="0" marB="0" anchor="ctr">
@@ -8693,16 +8616,12 @@
                         </a:spcAft>
                       </a:pPr>
                       <a:r>
-                        <a:rPr lang="en-US" sz="1900" dirty="0" smtClean="0">
+                        <a:rPr lang="en-US" sz="1900" dirty="0">
                           <a:latin typeface="Times New Roman"/>
                           <a:ea typeface="Times New Roman"/>
                         </a:rPr>
                         <a:t>6</a:t>
                       </a:r>
-                      <a:endParaRPr lang="en-US" sz="1900" dirty="0">
-                        <a:latin typeface="Times New Roman"/>
-                        <a:ea typeface="Times New Roman"/>
-                      </a:endParaRPr>
                     </a:p>
                   </a:txBody>
                   <a:tcPr marL="68580" marR="68580" marT="0" marB="0" anchor="ctr">
@@ -8761,16 +8680,12 @@
                         </a:spcAft>
                       </a:pPr>
                       <a:r>
-                        <a:rPr lang="en-US" sz="1900" dirty="0" smtClean="0">
+                        <a:rPr lang="en-US" sz="1900" dirty="0">
                           <a:latin typeface="Times New Roman"/>
                           <a:ea typeface="Times New Roman"/>
                         </a:rPr>
                         <a:t>400</a:t>
                       </a:r>
-                      <a:endParaRPr lang="en-US" sz="1900" dirty="0">
-                        <a:latin typeface="Times New Roman"/>
-                        <a:ea typeface="Times New Roman"/>
-                      </a:endParaRPr>
                     </a:p>
                   </a:txBody>
                   <a:tcPr marL="68580" marR="68580" marT="0" marB="0" anchor="ctr">
@@ -8829,16 +8744,12 @@
                         </a:spcAft>
                       </a:pPr>
                       <a:r>
-                        <a:rPr lang="en-US" sz="1900" dirty="0" smtClean="0">
+                        <a:rPr lang="en-US" sz="1900" dirty="0">
                           <a:latin typeface="Times New Roman"/>
                           <a:ea typeface="Times New Roman"/>
                         </a:rPr>
                         <a:t>560</a:t>
                       </a:r>
-                      <a:endParaRPr lang="en-US" sz="1900" dirty="0">
-                        <a:latin typeface="Times New Roman"/>
-                        <a:ea typeface="Times New Roman"/>
-                      </a:endParaRPr>
                     </a:p>
                   </a:txBody>
                   <a:tcPr marL="68580" marR="68580" marT="0" marB="0" anchor="ctr">
@@ -8883,6 +8794,11 @@
                     </a:solidFill>
                   </a:tcPr>
                 </a:tc>
+                <a:extLst>
+                  <a:ext uri="{0D108BD9-81ED-4DB2-BD59-A6C34878D82A}">
+                    <a16:rowId xmlns:a16="http://schemas.microsoft.com/office/drawing/2014/main" val="10003"/>
+                  </a:ext>
+                </a:extLst>
               </a:tr>
               <a:tr h="0">
                 <a:tc>
@@ -8963,16 +8879,12 @@
                         </a:spcAft>
                       </a:pPr>
                       <a:r>
-                        <a:rPr lang="en-US" sz="1900" dirty="0" smtClean="0">
+                        <a:rPr lang="en-US" sz="1900" dirty="0">
                           <a:latin typeface="Times New Roman"/>
                           <a:ea typeface="Times New Roman"/>
                         </a:rPr>
                         <a:t>6</a:t>
                       </a:r>
-                      <a:endParaRPr lang="en-US" sz="1900" dirty="0">
-                        <a:latin typeface="Times New Roman"/>
-                        <a:ea typeface="Times New Roman"/>
-                      </a:endParaRPr>
                     </a:p>
                   </a:txBody>
                   <a:tcPr marL="68580" marR="68580" marT="0" marB="0" anchor="ctr">
@@ -9031,16 +8943,12 @@
                         </a:spcAft>
                       </a:pPr>
                       <a:r>
-                        <a:rPr lang="en-US" sz="1900" dirty="0" smtClean="0">
+                        <a:rPr lang="en-US" sz="1900" dirty="0">
                           <a:latin typeface="Times New Roman"/>
                           <a:ea typeface="Times New Roman"/>
                         </a:rPr>
                         <a:t>4</a:t>
                       </a:r>
-                      <a:endParaRPr lang="en-US" sz="1900" dirty="0">
-                        <a:latin typeface="Times New Roman"/>
-                        <a:ea typeface="Times New Roman"/>
-                      </a:endParaRPr>
                     </a:p>
                   </a:txBody>
                   <a:tcPr marL="68580" marR="68580" marT="0" marB="0" anchor="ctr">
@@ -9099,16 +9007,12 @@
                         </a:spcAft>
                       </a:pPr>
                       <a:r>
-                        <a:rPr lang="en-US" sz="1900" dirty="0" smtClean="0">
+                        <a:rPr lang="en-US" sz="1900" dirty="0">
                           <a:latin typeface="Times New Roman"/>
                           <a:ea typeface="Times New Roman"/>
                         </a:rPr>
                         <a:t>500</a:t>
                       </a:r>
-                      <a:endParaRPr lang="en-US" sz="1900" dirty="0">
-                        <a:latin typeface="Times New Roman"/>
-                        <a:ea typeface="Times New Roman"/>
-                      </a:endParaRPr>
                     </a:p>
                   </a:txBody>
                   <a:tcPr marL="68580" marR="68580" marT="0" marB="0" anchor="ctr">
@@ -9167,16 +9071,12 @@
                         </a:spcAft>
                       </a:pPr>
                       <a:r>
-                        <a:rPr lang="en-US" sz="1900" dirty="0" smtClean="0">
+                        <a:rPr lang="en-US" sz="1900" dirty="0">
                           <a:latin typeface="Times New Roman"/>
                           <a:ea typeface="Times New Roman"/>
                         </a:rPr>
                         <a:t>600</a:t>
                       </a:r>
-                      <a:endParaRPr lang="en-US" sz="1900" dirty="0">
-                        <a:latin typeface="Times New Roman"/>
-                        <a:ea typeface="Times New Roman"/>
-                      </a:endParaRPr>
                     </a:p>
                   </a:txBody>
                   <a:tcPr marL="68580" marR="68580" marT="0" marB="0" anchor="ctr">
@@ -9221,6 +9121,11 @@
                     </a:solidFill>
                   </a:tcPr>
                 </a:tc>
+                <a:extLst>
+                  <a:ext uri="{0D108BD9-81ED-4DB2-BD59-A6C34878D82A}">
+                    <a16:rowId xmlns:a16="http://schemas.microsoft.com/office/drawing/2014/main" val="10004"/>
+                  </a:ext>
+                </a:extLst>
               </a:tr>
               <a:tr h="0">
                 <a:tc>
@@ -9301,16 +9206,12 @@
                         </a:spcAft>
                       </a:pPr>
                       <a:r>
-                        <a:rPr lang="en-US" sz="1900" dirty="0" smtClean="0">
+                        <a:rPr lang="en-US" sz="1900" dirty="0">
                           <a:latin typeface="Times New Roman"/>
                           <a:ea typeface="Times New Roman"/>
                         </a:rPr>
                         <a:t>9</a:t>
                       </a:r>
-                      <a:endParaRPr lang="en-US" sz="1900" dirty="0">
-                        <a:latin typeface="Times New Roman"/>
-                        <a:ea typeface="Times New Roman"/>
-                      </a:endParaRPr>
                     </a:p>
                   </a:txBody>
                   <a:tcPr marL="68580" marR="68580" marT="0" marB="0" anchor="ctr">
@@ -9369,16 +9270,12 @@
                         </a:spcAft>
                       </a:pPr>
                       <a:r>
-                        <a:rPr lang="en-US" sz="1900" dirty="0" smtClean="0">
+                        <a:rPr lang="en-US" sz="1900" dirty="0">
                           <a:latin typeface="Times New Roman"/>
                           <a:ea typeface="Times New Roman"/>
                         </a:rPr>
                         <a:t>7</a:t>
                       </a:r>
-                      <a:endParaRPr lang="en-US" sz="1900" dirty="0">
-                        <a:latin typeface="Times New Roman"/>
-                        <a:ea typeface="Times New Roman"/>
-                      </a:endParaRPr>
                     </a:p>
                   </a:txBody>
                   <a:tcPr marL="68580" marR="68580" marT="0" marB="0" anchor="ctr">
@@ -9437,16 +9334,12 @@
                         </a:spcAft>
                       </a:pPr>
                       <a:r>
-                        <a:rPr lang="en-US" sz="1900" dirty="0" smtClean="0">
+                        <a:rPr lang="en-US" sz="1900" dirty="0">
                           <a:latin typeface="Times New Roman"/>
                           <a:ea typeface="Times New Roman"/>
                         </a:rPr>
                         <a:t>540</a:t>
                       </a:r>
-                      <a:endParaRPr lang="en-US" sz="1900" dirty="0">
-                        <a:latin typeface="Times New Roman"/>
-                        <a:ea typeface="Times New Roman"/>
-                      </a:endParaRPr>
                     </a:p>
                   </a:txBody>
                   <a:tcPr marL="68580" marR="68580" marT="0" marB="0" anchor="ctr">
@@ -9505,16 +9398,12 @@
                         </a:spcAft>
                       </a:pPr>
                       <a:r>
-                        <a:rPr lang="en-US" sz="1900" dirty="0" smtClean="0">
+                        <a:rPr lang="en-US" sz="1900" dirty="0">
                           <a:latin typeface="Times New Roman"/>
                           <a:ea typeface="Times New Roman"/>
                         </a:rPr>
                         <a:t>600</a:t>
                       </a:r>
-                      <a:endParaRPr lang="en-US" sz="1900" dirty="0">
-                        <a:latin typeface="Times New Roman"/>
-                        <a:ea typeface="Times New Roman"/>
-                      </a:endParaRPr>
                     </a:p>
                   </a:txBody>
                   <a:tcPr marL="68580" marR="68580" marT="0" marB="0" anchor="ctr">
@@ -9559,6 +9448,11 @@
                     </a:solidFill>
                   </a:tcPr>
                 </a:tc>
+                <a:extLst>
+                  <a:ext uri="{0D108BD9-81ED-4DB2-BD59-A6C34878D82A}">
+                    <a16:rowId xmlns:a16="http://schemas.microsoft.com/office/drawing/2014/main" val="10005"/>
+                  </a:ext>
+                </a:extLst>
               </a:tr>
               <a:tr h="0">
                 <a:tc>
@@ -9639,16 +9533,12 @@
                         </a:spcAft>
                       </a:pPr>
                       <a:r>
-                        <a:rPr lang="en-US" sz="1900" dirty="0" smtClean="0">
+                        <a:rPr lang="en-US" sz="1900" dirty="0">
                           <a:latin typeface="Times New Roman"/>
                           <a:ea typeface="Times New Roman"/>
                         </a:rPr>
                         <a:t>4</a:t>
                       </a:r>
-                      <a:endParaRPr lang="en-US" sz="1900" dirty="0">
-                        <a:latin typeface="Times New Roman"/>
-                        <a:ea typeface="Times New Roman"/>
-                      </a:endParaRPr>
                     </a:p>
                   </a:txBody>
                   <a:tcPr marL="68580" marR="68580" marT="0" marB="0" anchor="ctr">
@@ -9707,16 +9597,12 @@
                         </a:spcAft>
                       </a:pPr>
                       <a:r>
-                        <a:rPr lang="en-US" sz="1900" dirty="0" smtClean="0">
+                        <a:rPr lang="en-US" sz="1900" dirty="0">
                           <a:latin typeface="Times New Roman"/>
                           <a:ea typeface="Times New Roman"/>
                         </a:rPr>
                         <a:t>1</a:t>
                       </a:r>
-                      <a:endParaRPr lang="en-US" sz="1900" dirty="0">
-                        <a:latin typeface="Times New Roman"/>
-                        <a:ea typeface="Times New Roman"/>
-                      </a:endParaRPr>
                     </a:p>
                   </a:txBody>
                   <a:tcPr marL="68580" marR="68580" marT="0" marB="0" anchor="ctr">
@@ -9775,16 +9661,12 @@
                         </a:spcAft>
                       </a:pPr>
                       <a:r>
-                        <a:rPr lang="en-US" sz="1900" dirty="0" smtClean="0">
+                        <a:rPr lang="en-US" sz="1900" dirty="0">
                           <a:latin typeface="Times New Roman"/>
                           <a:ea typeface="Times New Roman"/>
                         </a:rPr>
                         <a:t>500</a:t>
                       </a:r>
-                      <a:endParaRPr lang="en-US" sz="1900" dirty="0">
-                        <a:latin typeface="Times New Roman"/>
-                        <a:ea typeface="Times New Roman"/>
-                      </a:endParaRPr>
                     </a:p>
                   </a:txBody>
                   <a:tcPr marL="68580" marR="68580" marT="0" marB="0" anchor="ctr">
@@ -9843,16 +9725,12 @@
                         </a:spcAft>
                       </a:pPr>
                       <a:r>
-                        <a:rPr lang="en-US" sz="1900" dirty="0" smtClean="0">
+                        <a:rPr lang="en-US" sz="1900" dirty="0">
                           <a:latin typeface="Times New Roman"/>
                           <a:ea typeface="Times New Roman"/>
                         </a:rPr>
                         <a:t>1,100</a:t>
                       </a:r>
-                      <a:endParaRPr lang="en-US" sz="1900" dirty="0">
-                        <a:latin typeface="Times New Roman"/>
-                        <a:ea typeface="Times New Roman"/>
-                      </a:endParaRPr>
                     </a:p>
                   </a:txBody>
                   <a:tcPr marL="68580" marR="68580" marT="0" marB="0" anchor="ctr">
@@ -9897,6 +9775,11 @@
                     </a:solidFill>
                   </a:tcPr>
                 </a:tc>
+                <a:extLst>
+                  <a:ext uri="{0D108BD9-81ED-4DB2-BD59-A6C34878D82A}">
+                    <a16:rowId xmlns:a16="http://schemas.microsoft.com/office/drawing/2014/main" val="10006"/>
+                  </a:ext>
+                </a:extLst>
               </a:tr>
               <a:tr h="0">
                 <a:tc>
@@ -9977,16 +9860,12 @@
                         </a:spcAft>
                       </a:pPr>
                       <a:r>
-                        <a:rPr lang="en-US" sz="1900" dirty="0" smtClean="0">
+                        <a:rPr lang="en-US" sz="1900" dirty="0">
                           <a:latin typeface="Times New Roman"/>
                           <a:ea typeface="Times New Roman"/>
                         </a:rPr>
                         <a:t>5</a:t>
                       </a:r>
-                      <a:endParaRPr lang="en-US" sz="1900" dirty="0">
-                        <a:latin typeface="Times New Roman"/>
-                        <a:ea typeface="Times New Roman"/>
-                      </a:endParaRPr>
                     </a:p>
                   </a:txBody>
                   <a:tcPr marL="68580" marR="68580" marT="0" marB="0" anchor="ctr">
@@ -10045,16 +9924,12 @@
                         </a:spcAft>
                       </a:pPr>
                       <a:r>
-                        <a:rPr lang="en-US" sz="1900" dirty="0" smtClean="0">
+                        <a:rPr lang="en-US" sz="1900" dirty="0">
                           <a:latin typeface="Times New Roman"/>
                           <a:ea typeface="Times New Roman"/>
                         </a:rPr>
                         <a:t>4</a:t>
                       </a:r>
-                      <a:endParaRPr lang="en-US" sz="1900" dirty="0">
-                        <a:latin typeface="Times New Roman"/>
-                        <a:ea typeface="Times New Roman"/>
-                      </a:endParaRPr>
                     </a:p>
                   </a:txBody>
                   <a:tcPr marL="68580" marR="68580" marT="0" marB="0" anchor="ctr">
@@ -10113,16 +9988,12 @@
                         </a:spcAft>
                       </a:pPr>
                       <a:r>
-                        <a:rPr lang="en-US" sz="1900" dirty="0" smtClean="0">
+                        <a:rPr lang="en-US" sz="1900" dirty="0">
                           <a:latin typeface="Times New Roman"/>
                           <a:ea typeface="Times New Roman"/>
                         </a:rPr>
                         <a:t>150</a:t>
                       </a:r>
-                      <a:endParaRPr lang="en-US" sz="1900" dirty="0">
-                        <a:latin typeface="Times New Roman"/>
-                        <a:ea typeface="Times New Roman"/>
-                      </a:endParaRPr>
                     </a:p>
                   </a:txBody>
                   <a:tcPr marL="68580" marR="68580" marT="0" marB="0" anchor="ctr">
@@ -10181,16 +10052,12 @@
                         </a:spcAft>
                       </a:pPr>
                       <a:r>
-                        <a:rPr lang="en-US" sz="1900" dirty="0" smtClean="0">
+                        <a:rPr lang="en-US" sz="1900" dirty="0">
                           <a:latin typeface="Times New Roman"/>
                           <a:ea typeface="Times New Roman"/>
                         </a:rPr>
                         <a:t>240</a:t>
                       </a:r>
-                      <a:endParaRPr lang="en-US" sz="1900" dirty="0">
-                        <a:latin typeface="Times New Roman"/>
-                        <a:ea typeface="Times New Roman"/>
-                      </a:endParaRPr>
                     </a:p>
                   </a:txBody>
                   <a:tcPr marL="68580" marR="68580" marT="0" marB="0" anchor="ctr">
@@ -10235,6 +10102,11 @@
                     </a:solidFill>
                   </a:tcPr>
                 </a:tc>
+                <a:extLst>
+                  <a:ext uri="{0D108BD9-81ED-4DB2-BD59-A6C34878D82A}">
+                    <a16:rowId xmlns:a16="http://schemas.microsoft.com/office/drawing/2014/main" val="10007"/>
+                  </a:ext>
+                </a:extLst>
               </a:tr>
               <a:tr h="0">
                 <a:tc>
@@ -10315,16 +10187,12 @@
                         </a:spcAft>
                       </a:pPr>
                       <a:r>
-                        <a:rPr lang="en-US" sz="1900" dirty="0" smtClean="0">
+                        <a:rPr lang="en-US" sz="1900" dirty="0">
                           <a:latin typeface="Times New Roman"/>
                           <a:ea typeface="Times New Roman"/>
                         </a:rPr>
                         <a:t>3</a:t>
                       </a:r>
-                      <a:endParaRPr lang="en-US" sz="1900" dirty="0">
-                        <a:latin typeface="Times New Roman"/>
-                        <a:ea typeface="Times New Roman"/>
-                      </a:endParaRPr>
                     </a:p>
                   </a:txBody>
                   <a:tcPr marL="68580" marR="68580" marT="0" marB="0" anchor="ctr">
@@ -10383,16 +10251,12 @@
                         </a:spcAft>
                       </a:pPr>
                       <a:r>
-                        <a:rPr lang="en-US" sz="1900" dirty="0" smtClean="0">
+                        <a:rPr lang="en-US" sz="1900" dirty="0">
                           <a:latin typeface="Times New Roman"/>
                           <a:ea typeface="Times New Roman"/>
                         </a:rPr>
                         <a:t>3</a:t>
                       </a:r>
-                      <a:endParaRPr lang="en-US" sz="1900" dirty="0">
-                        <a:latin typeface="Times New Roman"/>
-                        <a:ea typeface="Times New Roman"/>
-                      </a:endParaRPr>
                     </a:p>
                   </a:txBody>
                   <a:tcPr marL="68580" marR="68580" marT="0" marB="0" anchor="ctr">
@@ -10451,16 +10315,12 @@
                         </a:spcAft>
                       </a:pPr>
                       <a:r>
-                        <a:rPr lang="en-US" sz="1900" dirty="0" smtClean="0">
+                        <a:rPr lang="en-US" sz="1900" dirty="0">
                           <a:latin typeface="Times New Roman"/>
                           <a:ea typeface="Times New Roman"/>
                         </a:rPr>
                         <a:t>150</a:t>
                       </a:r>
-                      <a:endParaRPr lang="en-US" sz="1900" dirty="0">
-                        <a:latin typeface="Times New Roman"/>
-                        <a:ea typeface="Times New Roman"/>
-                      </a:endParaRPr>
                     </a:p>
                   </a:txBody>
                   <a:tcPr marL="68580" marR="68580" marT="0" marB="0" anchor="ctr">
@@ -10519,16 +10379,12 @@
                         </a:spcAft>
                       </a:pPr>
                       <a:r>
-                        <a:rPr lang="en-US" sz="1900" dirty="0" smtClean="0">
+                        <a:rPr lang="en-US" sz="1900" dirty="0">
                           <a:latin typeface="Times New Roman"/>
                           <a:ea typeface="Times New Roman"/>
                         </a:rPr>
                         <a:t>150</a:t>
                       </a:r>
-                      <a:endParaRPr lang="en-US" sz="1900" dirty="0">
-                        <a:latin typeface="Times New Roman"/>
-                        <a:ea typeface="Times New Roman"/>
-                      </a:endParaRPr>
                     </a:p>
                   </a:txBody>
                   <a:tcPr marL="68580" marR="68580" marT="0" marB="0" anchor="ctr">
@@ -10573,6 +10429,11 @@
                     </a:solidFill>
                   </a:tcPr>
                 </a:tc>
+                <a:extLst>
+                  <a:ext uri="{0D108BD9-81ED-4DB2-BD59-A6C34878D82A}">
+                    <a16:rowId xmlns:a16="http://schemas.microsoft.com/office/drawing/2014/main" val="10008"/>
+                  </a:ext>
+                </a:extLst>
               </a:tr>
               <a:tr h="0">
                 <a:tc>
@@ -10653,16 +10514,12 @@
                         </a:spcAft>
                       </a:pPr>
                       <a:r>
-                        <a:rPr lang="en-US" sz="1900" dirty="0" smtClean="0">
+                        <a:rPr lang="en-US" sz="1900" dirty="0">
                           <a:latin typeface="Times New Roman"/>
                           <a:ea typeface="Times New Roman"/>
                         </a:rPr>
                         <a:t>7</a:t>
                       </a:r>
-                      <a:endParaRPr lang="en-US" sz="1900" dirty="0">
-                        <a:latin typeface="Times New Roman"/>
-                        <a:ea typeface="Times New Roman"/>
-                      </a:endParaRPr>
                     </a:p>
                   </a:txBody>
                   <a:tcPr marL="68580" marR="68580" marT="0" marB="0" anchor="ctr">
@@ -10721,16 +10578,12 @@
                         </a:spcAft>
                       </a:pPr>
                       <a:r>
-                        <a:rPr lang="en-US" sz="1900" dirty="0" smtClean="0">
+                        <a:rPr lang="en-US" sz="1900" dirty="0">
                           <a:latin typeface="Times New Roman"/>
                           <a:ea typeface="Times New Roman"/>
                         </a:rPr>
                         <a:t>6</a:t>
                       </a:r>
-                      <a:endParaRPr lang="en-US" sz="1900" dirty="0">
-                        <a:latin typeface="Times New Roman"/>
-                        <a:ea typeface="Times New Roman"/>
-                      </a:endParaRPr>
                     </a:p>
                   </a:txBody>
                   <a:tcPr marL="68580" marR="68580" marT="0" marB="0" anchor="ctr">
@@ -10789,16 +10642,12 @@
                         </a:spcAft>
                       </a:pPr>
                       <a:r>
-                        <a:rPr lang="en-US" sz="1900" dirty="0" smtClean="0">
+                        <a:rPr lang="en-US" sz="1900" dirty="0">
                           <a:latin typeface="Times New Roman"/>
                           <a:ea typeface="Times New Roman"/>
                         </a:rPr>
                         <a:t>600</a:t>
                       </a:r>
-                      <a:endParaRPr lang="en-US" sz="1900" dirty="0">
-                        <a:latin typeface="Times New Roman"/>
-                        <a:ea typeface="Times New Roman"/>
-                      </a:endParaRPr>
                     </a:p>
                   </a:txBody>
                   <a:tcPr marL="68580" marR="68580" marT="0" marB="0" anchor="ctr">
@@ -10857,16 +10706,12 @@
                         </a:spcAft>
                       </a:pPr>
                       <a:r>
-                        <a:rPr lang="en-US" sz="1900" dirty="0" smtClean="0">
+                        <a:rPr lang="en-US" sz="1900" dirty="0">
                           <a:latin typeface="Times New Roman"/>
                           <a:ea typeface="Times New Roman"/>
                         </a:rPr>
                         <a:t>750</a:t>
                       </a:r>
-                      <a:endParaRPr lang="en-US" sz="1900" dirty="0">
-                        <a:latin typeface="Times New Roman"/>
-                        <a:ea typeface="Times New Roman"/>
-                      </a:endParaRPr>
                     </a:p>
                   </a:txBody>
                   <a:tcPr marL="68580" marR="68580" marT="0" marB="0" anchor="ctr">
@@ -10911,6 +10756,11 @@
                     </a:solidFill>
                   </a:tcPr>
                 </a:tc>
+                <a:extLst>
+                  <a:ext uri="{0D108BD9-81ED-4DB2-BD59-A6C34878D82A}">
+                    <a16:rowId xmlns:a16="http://schemas.microsoft.com/office/drawing/2014/main" val="10009"/>
+                  </a:ext>
+                </a:extLst>
               </a:tr>
             </a:tbl>
           </a:graphicData>
@@ -10922,13 +10772,6 @@
     <a:masterClrMapping/>
   </p:clrMapOvr>
   <p:transition spd="slow"/>
-  <p:timing>
-    <p:tnLst>
-      <p:par>
-        <p:cTn id="1" dur="indefinite" restart="never" nodeType="tmRoot"/>
-      </p:par>
-    </p:tnLst>
-  </p:timing>
 </p:sld>
 </file>
 
@@ -11007,9 +10850,9 @@
             <a:fld id="{CF4E4E5A-7300-40A9-AB18-5D061736C630}" type="datetime8">
               <a:rPr lang="en-US" smtClean="0"/>
               <a:pPr/>
-              <a:t>4/3/2017 6:16 PM</a:t>
+              <a:t>3/18/2021 5:10 AM</a:t>
             </a:fld>
-            <a:endParaRPr lang="en-US" smtClean="0"/>
+            <a:endParaRPr lang="en-US"/>
           </a:p>
         </p:txBody>
       </p:sp>
@@ -11035,7 +10878,7 @@
               <a:pPr/>
               <a:t>18</a:t>
             </a:fld>
-            <a:endParaRPr lang="en-US" smtClean="0"/>
+            <a:endParaRPr lang="en-US"/>
           </a:p>
         </p:txBody>
       </p:sp>
@@ -11223,13 +11066,6 @@
     <a:masterClrMapping/>
   </p:clrMapOvr>
   <p:transition spd="slow"/>
-  <p:timing>
-    <p:tnLst>
-      <p:par>
-        <p:cTn id="1" dur="indefinite" restart="never" nodeType="tmRoot"/>
-      </p:par>
-    </p:tnLst>
-  </p:timing>
 </p:sld>
 </file>
 
@@ -11271,7 +11107,7 @@
               </a:buClr>
             </a:pPr>
             <a:r>
-              <a:rPr lang="en-US" dirty="0" smtClean="0">
+              <a:rPr lang="en-US" dirty="0">
                 <a:solidFill>
                   <a:srgbClr val="C00000"/>
                 </a:solidFill>
@@ -11285,18 +11121,6 @@
               </a:rPr>
               <a:t>Example</a:t>
             </a:r>
-            <a:endParaRPr lang="en-US" dirty="0">
-              <a:solidFill>
-                <a:srgbClr val="C00000"/>
-              </a:solidFill>
-              <a:effectLst>
-                <a:outerShdw blurRad="38100" dist="38100" dir="2700000" algn="tl">
-                  <a:srgbClr val="000000">
-                    <a:alpha val="43137"/>
-                  </a:srgbClr>
-                </a:outerShdw>
-              </a:effectLst>
-            </a:endParaRPr>
           </a:p>
         </p:txBody>
       </p:sp>
@@ -11323,7 +11147,7 @@
               <a:pPr>
                 <a:defRPr/>
               </a:pPr>
-              <a:t>4/3/2017 6:16 PM</a:t>
+              <a:t>3/18/2021 5:10 AM</a:t>
             </a:fld>
             <a:endParaRPr lang="en-US" dirty="0"/>
           </a:p>
@@ -11409,7 +11233,7 @@
               <a:tabLst/>
             </a:pPr>
             <a:r>
-              <a:rPr kumimoji="0" lang="en-US" sz="1600" b="0" i="0" u="none" strike="noStrike" cap="none" normalizeH="0" baseline="0" dirty="0" smtClean="0">
+              <a:rPr kumimoji="0" lang="en-US" sz="1600" b="0" i="0" u="none" strike="noStrike" cap="none" normalizeH="0" baseline="0" dirty="0">
                 <a:ln>
                   <a:noFill/>
                 </a:ln>
@@ -11423,7 +11247,7 @@
               </a:rPr>
               <a:t>** This Activity can not be expected.</a:t>
             </a:r>
-            <a:endParaRPr kumimoji="0" lang="en-US" sz="3600" b="0" i="0" u="none" strike="noStrike" cap="none" normalizeH="0" baseline="0" dirty="0" smtClean="0">
+            <a:endParaRPr kumimoji="0" lang="en-US" sz="3600" b="0" i="0" u="none" strike="noStrike" cap="none" normalizeH="0" baseline="0" dirty="0">
               <a:ln>
                 <a:noFill/>
               </a:ln>
@@ -11453,12 +11277,12 @@
           <a:graphicData uri="http://schemas.openxmlformats.org/presentationml/2006/ole">
             <mc:AlternateContent xmlns:mc="http://schemas.openxmlformats.org/markup-compatibility/2006">
               <mc:Choice xmlns:v="urn:schemas-microsoft-com:vml" Requires="v">
-                <p:oleObj spid="_x0000_s48131" name="Document" r:id="rId4" imgW="6218581" imgH="2286082" progId="Word.Document.12">
+                <p:oleObj name="Document" r:id="rId2" imgW="6218581" imgH="2286082" progId="Word.Document.12">
                   <p:embed/>
                 </p:oleObj>
               </mc:Choice>
               <mc:Fallback>
-                <p:oleObj name="Document" r:id="rId4" imgW="6218581" imgH="2286082" progId="Word.Document.12">
+                <p:oleObj name="Document" r:id="rId2" imgW="6218581" imgH="2286082" progId="Word.Document.12">
                   <p:embed/>
                   <p:pic>
                     <p:nvPicPr>
@@ -11469,7 +11293,7 @@
                       <p:nvPr/>
                     </p:nvPicPr>
                     <p:blipFill>
-                      <a:blip r:embed="rId5">
+                      <a:blip r:embed="rId3">
                         <a:extLst>
                           <a:ext uri="{28A0092B-C50C-407E-A947-70E740481C1C}">
                             <a14:useLocalDpi xmlns:a14="http://schemas.microsoft.com/office/drawing/2010/main" val="0"/>
@@ -11536,13 +11360,6 @@
     <a:masterClrMapping/>
   </p:clrMapOvr>
   <p:transition spd="slow"/>
-  <p:timing>
-    <p:tnLst>
-      <p:par>
-        <p:cTn id="1" dur="indefinite" restart="never" nodeType="tmRoot"/>
-      </p:par>
-    </p:tnLst>
-  </p:timing>
 </p:sld>
 </file>
 
@@ -11583,9 +11400,9 @@
             <a:fld id="{18515A12-72E9-44D1-950F-4FEF5B915400}" type="datetime8">
               <a:rPr lang="en-US" smtClean="0"/>
               <a:pPr/>
-              <a:t>4/3/2017 6:16 PM</a:t>
+              <a:t>3/18/2021 5:10 AM</a:t>
             </a:fld>
-            <a:endParaRPr lang="en-US" smtClean="0"/>
+            <a:endParaRPr lang="en-US"/>
           </a:p>
         </p:txBody>
       </p:sp>
@@ -11611,7 +11428,7 @@
               <a:pPr/>
               <a:t>2</a:t>
             </a:fld>
-            <a:endParaRPr lang="en-US" smtClean="0"/>
+            <a:endParaRPr lang="en-US"/>
           </a:p>
         </p:txBody>
       </p:sp>
@@ -11659,7 +11476,7 @@
               <a:defRPr/>
             </a:pPr>
             <a:r>
-              <a:rPr lang="en-US" sz="2400" dirty="0" smtClean="0">
+              <a:rPr lang="en-US" sz="2400" dirty="0">
                 <a:latin typeface="Times New Roman" pitchFamily="18" charset="0"/>
                 <a:cs typeface="Times New Roman" pitchFamily="18" charset="0"/>
               </a:rPr>
@@ -11677,7 +11494,7 @@
               <a:defRPr/>
             </a:pPr>
             <a:r>
-              <a:rPr lang="en-US" sz="2400" dirty="0" smtClean="0">
+              <a:rPr lang="en-US" sz="2400" dirty="0">
                 <a:latin typeface="Times New Roman" pitchFamily="18" charset="0"/>
                 <a:cs typeface="Times New Roman" pitchFamily="18" charset="0"/>
               </a:rPr>
@@ -11694,7 +11511,7 @@
               <a:defRPr/>
             </a:pPr>
             <a:r>
-              <a:rPr lang="en-US" sz="2400" dirty="0" smtClean="0">
+              <a:rPr lang="en-US" sz="2400" dirty="0">
                 <a:latin typeface="Times New Roman" pitchFamily="18" charset="0"/>
                 <a:cs typeface="Times New Roman" pitchFamily="18" charset="0"/>
               </a:rPr>
@@ -11711,7 +11528,7 @@
               <a:defRPr/>
             </a:pPr>
             <a:r>
-              <a:rPr lang="en-US" sz="2400" dirty="0" smtClean="0">
+              <a:rPr lang="en-US" sz="2400" dirty="0">
                 <a:latin typeface="Times New Roman" pitchFamily="18" charset="0"/>
                 <a:cs typeface="Times New Roman" pitchFamily="18" charset="0"/>
               </a:rPr>
@@ -11728,7 +11545,7 @@
               <a:defRPr/>
             </a:pPr>
             <a:r>
-              <a:rPr lang="en-US" sz="2400" dirty="0" smtClean="0">
+              <a:rPr lang="en-US" sz="2400" dirty="0">
                 <a:latin typeface="Times New Roman" pitchFamily="18" charset="0"/>
                 <a:cs typeface="Times New Roman" pitchFamily="18" charset="0"/>
               </a:rPr>
@@ -11745,7 +11562,7 @@
               <a:defRPr/>
             </a:pPr>
             <a:r>
-              <a:rPr lang="en-US" sz="2400" dirty="0" smtClean="0">
+              <a:rPr lang="en-US" sz="2400" dirty="0">
                 <a:latin typeface="Times New Roman" pitchFamily="18" charset="0"/>
                 <a:cs typeface="Times New Roman" pitchFamily="18" charset="0"/>
               </a:rPr>
@@ -11762,7 +11579,7 @@
               <a:defRPr/>
             </a:pPr>
             <a:r>
-              <a:rPr lang="en-US" sz="2400" dirty="0" smtClean="0">
+              <a:rPr lang="en-US" sz="2400" dirty="0">
                 <a:latin typeface="Times New Roman" pitchFamily="18" charset="0"/>
                 <a:cs typeface="Times New Roman" pitchFamily="18" charset="0"/>
               </a:rPr>
@@ -11855,13 +11672,6 @@
     <a:masterClrMapping/>
   </p:clrMapOvr>
   <p:transition spd="slow"/>
-  <p:timing>
-    <p:tnLst>
-      <p:par>
-        <p:cTn id="1" dur="indefinite" restart="never" nodeType="tmRoot"/>
-      </p:par>
-    </p:tnLst>
-  </p:timing>
 </p:sld>
 </file>
 
@@ -11903,7 +11713,7 @@
               </a:buClr>
             </a:pPr>
             <a:r>
-              <a:rPr lang="en-US" dirty="0" smtClean="0">
+              <a:rPr lang="en-US" dirty="0">
                 <a:solidFill>
                   <a:srgbClr val="C00000"/>
                 </a:solidFill>
@@ -11917,18 +11727,6 @@
               </a:rPr>
               <a:t>Reduction project time from 22 to 17 day</a:t>
             </a:r>
-            <a:endParaRPr lang="en-US" dirty="0">
-              <a:solidFill>
-                <a:srgbClr val="C00000"/>
-              </a:solidFill>
-              <a:effectLst>
-                <a:outerShdw blurRad="38100" dist="38100" dir="2700000" algn="tl">
-                  <a:srgbClr val="000000">
-                    <a:alpha val="43137"/>
-                  </a:srgbClr>
-                </a:outerShdw>
-              </a:effectLst>
-            </a:endParaRPr>
           </a:p>
         </p:txBody>
       </p:sp>
@@ -11955,7 +11753,7 @@
               <a:pPr>
                 <a:defRPr/>
               </a:pPr>
-              <a:t>4/3/2017 6:16 PM</a:t>
+              <a:t>3/18/2021 5:10 AM</a:t>
             </a:fld>
             <a:endParaRPr lang="en-US" dirty="0"/>
           </a:p>
@@ -12006,12 +11804,12 @@
           <a:graphicData uri="http://schemas.openxmlformats.org/presentationml/2006/ole">
             <mc:AlternateContent xmlns:mc="http://schemas.openxmlformats.org/markup-compatibility/2006">
               <mc:Choice xmlns:v="urn:schemas-microsoft-com:vml" Requires="v">
-                <p:oleObj spid="_x0000_s81923" name="Document" r:id="rId4" imgW="6181521" imgH="3488885" progId="Word.Document.12">
+                <p:oleObj name="Document" r:id="rId2" imgW="6181521" imgH="3488885" progId="Word.Document.12">
                   <p:embed/>
                 </p:oleObj>
               </mc:Choice>
               <mc:Fallback>
-                <p:oleObj name="Document" r:id="rId4" imgW="6181521" imgH="3488885" progId="Word.Document.12">
+                <p:oleObj name="Document" r:id="rId2" imgW="6181521" imgH="3488885" progId="Word.Document.12">
                   <p:embed/>
                   <p:pic>
                     <p:nvPicPr>
@@ -12022,7 +11820,7 @@
                       <p:nvPr/>
                     </p:nvPicPr>
                     <p:blipFill>
-                      <a:blip r:embed="rId5">
+                      <a:blip r:embed="rId3">
                         <a:extLst>
                           <a:ext uri="{28A0092B-C50C-407E-A947-70E740481C1C}">
                             <a14:useLocalDpi xmlns:a14="http://schemas.microsoft.com/office/drawing/2010/main" val="0"/>
@@ -12089,13 +11887,6 @@
     <a:masterClrMapping/>
   </p:clrMapOvr>
   <p:transition spd="slow"/>
-  <p:timing>
-    <p:tnLst>
-      <p:par>
-        <p:cTn id="1" dur="indefinite" restart="never" nodeType="tmRoot"/>
-      </p:par>
-    </p:tnLst>
-  </p:timing>
 </p:sld>
 </file>
 
@@ -12137,7 +11928,7 @@
               </a:buClr>
             </a:pPr>
             <a:r>
-              <a:rPr lang="en-US" dirty="0" smtClean="0">
+              <a:rPr lang="en-US" dirty="0">
                 <a:solidFill>
                   <a:srgbClr val="C00000"/>
                 </a:solidFill>
@@ -12151,18 +11942,6 @@
               </a:rPr>
               <a:t>Reduction project time from 22 to</a:t>
             </a:r>
-            <a:endParaRPr lang="en-US" dirty="0">
-              <a:solidFill>
-                <a:srgbClr val="C00000"/>
-              </a:solidFill>
-              <a:effectLst>
-                <a:outerShdw blurRad="38100" dist="38100" dir="2700000" algn="tl">
-                  <a:srgbClr val="000000">
-                    <a:alpha val="43137"/>
-                  </a:srgbClr>
-                </a:outerShdw>
-              </a:effectLst>
-            </a:endParaRPr>
           </a:p>
         </p:txBody>
       </p:sp>
@@ -12189,7 +11968,7 @@
               <a:pPr>
                 <a:defRPr/>
               </a:pPr>
-              <a:t>4/3/2017 6:16 PM</a:t>
+              <a:t>3/18/2021 5:10 AM</a:t>
             </a:fld>
             <a:endParaRPr lang="en-US" dirty="0"/>
           </a:p>
@@ -12265,13 +12044,6 @@
     <a:masterClrMapping/>
   </p:clrMapOvr>
   <p:transition spd="slow"/>
-  <p:timing>
-    <p:tnLst>
-      <p:par>
-        <p:cTn id="1" dur="indefinite" restart="never" nodeType="tmRoot"/>
-      </p:par>
-    </p:tnLst>
-  </p:timing>
 </p:sld>
 </file>
 
@@ -12312,9 +12084,9 @@
             <a:fld id="{1A9B159C-3457-4CB7-8B0F-24EE669F8E0B}" type="datetime8">
               <a:rPr lang="en-US" smtClean="0"/>
               <a:pPr/>
-              <a:t>4/3/2017 6:16 PM</a:t>
+              <a:t>3/18/2021 5:10 AM</a:t>
             </a:fld>
-            <a:endParaRPr lang="en-US" smtClean="0"/>
+            <a:endParaRPr lang="en-US"/>
           </a:p>
         </p:txBody>
       </p:sp>
@@ -12340,7 +12112,7 @@
               <a:pPr/>
               <a:t>22</a:t>
             </a:fld>
-            <a:endParaRPr lang="en-US" smtClean="0"/>
+            <a:endParaRPr lang="en-US"/>
           </a:p>
         </p:txBody>
       </p:sp>
@@ -12397,7 +12169,7 @@
               <a:defRPr/>
             </a:pPr>
             <a:r>
-              <a:rPr lang="en-US" sz="2800" dirty="0" smtClean="0">
+              <a:rPr lang="en-US" sz="2800" dirty="0">
                 <a:solidFill>
                   <a:srgbClr val="FF0000"/>
                 </a:solidFill>
@@ -12464,13 +12236,6 @@
     <a:masterClrMapping/>
   </p:clrMapOvr>
   <p:transition spd="slow"/>
-  <p:timing>
-    <p:tnLst>
-      <p:par>
-        <p:cTn id="1" dur="indefinite" restart="never" nodeType="tmRoot"/>
-      </p:par>
-    </p:tnLst>
-  </p:timing>
 </p:sld>
 </file>
 
@@ -12512,7 +12277,7 @@
               </a:buClr>
             </a:pPr>
             <a:r>
-              <a:rPr lang="en-US" dirty="0" smtClean="0">
+              <a:rPr lang="en-US" dirty="0">
                 <a:solidFill>
                   <a:srgbClr val="C00000"/>
                 </a:solidFill>
@@ -12526,18 +12291,6 @@
               </a:rPr>
               <a:t>Optimal Project Duration</a:t>
             </a:r>
-            <a:endParaRPr lang="en-US" dirty="0">
-              <a:solidFill>
-                <a:srgbClr val="C00000"/>
-              </a:solidFill>
-              <a:effectLst>
-                <a:outerShdw blurRad="38100" dist="38100" dir="2700000" algn="tl">
-                  <a:srgbClr val="000000">
-                    <a:alpha val="43137"/>
-                  </a:srgbClr>
-                </a:outerShdw>
-              </a:effectLst>
-            </a:endParaRPr>
           </a:p>
         </p:txBody>
       </p:sp>
@@ -12564,7 +12317,7 @@
               <a:pPr>
                 <a:defRPr/>
               </a:pPr>
-              <a:t>4/3/2017 6:16 PM</a:t>
+              <a:t>3/18/2021 5:10 AM</a:t>
             </a:fld>
             <a:endParaRPr lang="en-US" dirty="0"/>
           </a:p>
@@ -12790,9 +12543,9 @@
             <a:fld id="{15CAB975-F2F3-4C69-B359-994F1816A581}" type="datetime8">
               <a:rPr lang="en-US" smtClean="0"/>
               <a:pPr/>
-              <a:t>4/3/2017 6:16 PM</a:t>
+              <a:t>3/18/2021 5:10 AM</a:t>
             </a:fld>
-            <a:endParaRPr lang="en-US" smtClean="0"/>
+            <a:endParaRPr lang="en-US"/>
           </a:p>
         </p:txBody>
       </p:sp>
@@ -12818,7 +12571,7 @@
               <a:pPr/>
               <a:t>24</a:t>
             </a:fld>
-            <a:endParaRPr lang="en-US" smtClean="0"/>
+            <a:endParaRPr lang="en-US"/>
           </a:p>
         </p:txBody>
       </p:sp>
@@ -12875,7 +12628,7 @@
               <a:defRPr/>
             </a:pPr>
             <a:r>
-              <a:rPr lang="en-US" sz="2800" dirty="0" smtClean="0">
+              <a:rPr lang="en-US" sz="2800" dirty="0">
                 <a:solidFill>
                   <a:srgbClr val="CC3300"/>
                 </a:solidFill>
@@ -12938,13 +12691,6 @@
     <a:masterClrMapping/>
   </p:clrMapOvr>
   <p:transition spd="slow"/>
-  <p:timing>
-    <p:tnLst>
-      <p:par>
-        <p:cTn id="1" dur="indefinite" restart="never" nodeType="tmRoot"/>
-      </p:par>
-    </p:tnLst>
-  </p:timing>
 </p:sld>
 </file>
 
@@ -12985,9 +12731,9 @@
             <a:fld id="{CE33E27A-D395-496D-AD8C-60C8BCFE4628}" type="datetime8">
               <a:rPr lang="en-US" smtClean="0"/>
               <a:pPr/>
-              <a:t>4/3/2017 6:16 PM</a:t>
+              <a:t>3/18/2021 5:10 AM</a:t>
             </a:fld>
-            <a:endParaRPr lang="en-US" smtClean="0"/>
+            <a:endParaRPr lang="en-US"/>
           </a:p>
         </p:txBody>
       </p:sp>
@@ -13013,7 +12759,7 @@
               <a:pPr/>
               <a:t>3</a:t>
             </a:fld>
-            <a:endParaRPr lang="en-US" smtClean="0"/>
+            <a:endParaRPr lang="en-US"/>
           </a:p>
         </p:txBody>
       </p:sp>
@@ -13062,7 +12808,7 @@
               <a:defRPr/>
             </a:pPr>
             <a:r>
-              <a:rPr lang="en-US" sz="2400" b="1" u="sng" smtClean="0">
+              <a:rPr lang="en-US" sz="2400" b="1" u="sng">
                 <a:solidFill>
                   <a:srgbClr val="FF0000"/>
                 </a:solidFill>
@@ -13086,7 +12832,7 @@
               <a:defRPr/>
             </a:pPr>
             <a:r>
-              <a:rPr lang="en-US" sz="2400" smtClean="0"/>
+              <a:rPr lang="en-US" sz="2400"/>
               <a:t>Reviewing the job logic (critical activities in parallel).</a:t>
             </a:r>
           </a:p>
@@ -13101,7 +12847,7 @@
               <a:defRPr/>
             </a:pPr>
             <a:r>
-              <a:rPr lang="en-US" sz="2400" smtClean="0"/>
+              <a:rPr lang="en-US" sz="2400"/>
               <a:t>Reviewing duration of critical activities.</a:t>
             </a:r>
           </a:p>
@@ -13116,7 +12862,7 @@
               <a:defRPr/>
             </a:pPr>
             <a:r>
-              <a:rPr lang="en-US" sz="2400" smtClean="0"/>
+              <a:rPr lang="en-US" sz="2400"/>
               <a:t>Use overlap.</a:t>
             </a:r>
           </a:p>
@@ -13131,7 +12877,7 @@
               <a:defRPr/>
             </a:pPr>
             <a:r>
-              <a:rPr lang="en-US" sz="2400" smtClean="0"/>
+              <a:rPr lang="en-US" sz="2400"/>
               <a:t>Use subcontractor.</a:t>
             </a:r>
           </a:p>
@@ -13221,13 +12967,6 @@
     <a:masterClrMapping/>
   </p:clrMapOvr>
   <p:transition spd="slow"/>
-  <p:timing>
-    <p:tnLst>
-      <p:par>
-        <p:cTn id="1" dur="indefinite" restart="never" nodeType="tmRoot"/>
-      </p:par>
-    </p:tnLst>
-  </p:timing>
 </p:sld>
 </file>
 
@@ -13268,9 +13007,9 @@
             <a:fld id="{96D88D24-7A20-4588-9018-490B1E538627}" type="datetime8">
               <a:rPr lang="en-US" smtClean="0"/>
               <a:pPr/>
-              <a:t>4/3/2017 6:16 PM</a:t>
+              <a:t>3/18/2021 5:10 AM</a:t>
             </a:fld>
-            <a:endParaRPr lang="en-US" smtClean="0"/>
+            <a:endParaRPr lang="en-US"/>
           </a:p>
         </p:txBody>
       </p:sp>
@@ -13296,7 +13035,7 @@
               <a:pPr/>
               <a:t>4</a:t>
             </a:fld>
-            <a:endParaRPr lang="en-US" smtClean="0"/>
+            <a:endParaRPr lang="en-US"/>
           </a:p>
         </p:txBody>
       </p:sp>
@@ -13345,7 +13084,7 @@
               <a:defRPr/>
             </a:pPr>
             <a:r>
-              <a:rPr lang="en-US" sz="2400" b="1" u="sng" smtClean="0">
+              <a:rPr lang="en-US" sz="2400" b="1" u="sng">
                 <a:solidFill>
                   <a:srgbClr val="FF0000"/>
                 </a:solidFill>
@@ -13369,7 +13108,7 @@
               <a:defRPr/>
             </a:pPr>
             <a:r>
-              <a:rPr lang="en-US" sz="2200" smtClean="0"/>
+              <a:rPr lang="en-US" sz="2200"/>
               <a:t>Have the existing crew work overtime.</a:t>
             </a:r>
           </a:p>
@@ -13384,7 +13123,7 @@
               <a:defRPr/>
             </a:pPr>
             <a:r>
-              <a:rPr lang="en-US" sz="2200" smtClean="0"/>
+              <a:rPr lang="en-US" sz="2200"/>
               <a:t>Bring in additional workers (resources) up to practical limit.</a:t>
             </a:r>
           </a:p>
@@ -13399,7 +13138,7 @@
               <a:defRPr/>
             </a:pPr>
             <a:r>
-              <a:rPr lang="en-US" sz="2200" smtClean="0"/>
+              <a:rPr lang="en-US" sz="2200"/>
               <a:t>Work on multiple shifts.</a:t>
             </a:r>
           </a:p>
@@ -13414,7 +13153,7 @@
               <a:defRPr/>
             </a:pPr>
             <a:r>
-              <a:rPr lang="en-US" sz="2200" smtClean="0"/>
+              <a:rPr lang="en-US" sz="2200"/>
               <a:t>Achieve more output by offering incentive payments.</a:t>
             </a:r>
           </a:p>
@@ -13429,7 +13168,7 @@
               <a:defRPr/>
             </a:pPr>
             <a:r>
-              <a:rPr lang="en-US" sz="2200" smtClean="0"/>
+              <a:rPr lang="en-US" sz="2200"/>
               <a:t>Use better/more advanced equipment.</a:t>
             </a:r>
           </a:p>
@@ -13444,7 +13183,7 @@
               <a:defRPr/>
             </a:pPr>
             <a:r>
-              <a:rPr lang="en-US" sz="2200" smtClean="0"/>
+              <a:rPr lang="en-US" sz="2200"/>
               <a:t>Use more quickly installed materials.</a:t>
             </a:r>
           </a:p>
@@ -13459,7 +13198,7 @@
               <a:defRPr/>
             </a:pPr>
             <a:r>
-              <a:rPr lang="en-US" sz="2200" smtClean="0"/>
+              <a:rPr lang="en-US" sz="2200"/>
               <a:t> Use subcontractors.</a:t>
             </a:r>
           </a:p>
@@ -13474,7 +13213,7 @@
               <a:defRPr/>
             </a:pPr>
             <a:r>
-              <a:rPr lang="en-US" sz="2200" smtClean="0"/>
+              <a:rPr lang="en-US" sz="2200"/>
               <a:t>Change construction method.</a:t>
             </a:r>
           </a:p>
@@ -13564,13 +13303,6 @@
     <a:masterClrMapping/>
   </p:clrMapOvr>
   <p:transition spd="slow"/>
-  <p:timing>
-    <p:tnLst>
-      <p:par>
-        <p:cTn id="1" dur="indefinite" restart="never" nodeType="tmRoot"/>
-      </p:par>
-    </p:tnLst>
-  </p:timing>
 </p:sld>
 </file>
 
@@ -13611,9 +13343,9 @@
             <a:fld id="{2B088646-629B-40DC-AE51-D16055134B4D}" type="datetime8">
               <a:rPr lang="en-US" smtClean="0"/>
               <a:pPr/>
-              <a:t>4/3/2017 6:16 PM</a:t>
+              <a:t>3/18/2021 5:10 AM</a:t>
             </a:fld>
-            <a:endParaRPr lang="en-US" smtClean="0"/>
+            <a:endParaRPr lang="en-US"/>
           </a:p>
         </p:txBody>
       </p:sp>
@@ -13639,7 +13371,7 @@
               <a:pPr/>
               <a:t>5</a:t>
             </a:fld>
-            <a:endParaRPr lang="en-US" smtClean="0"/>
+            <a:endParaRPr lang="en-US"/>
           </a:p>
         </p:txBody>
       </p:sp>
@@ -13687,7 +13419,7 @@
               <a:defRPr/>
             </a:pPr>
             <a:r>
-              <a:rPr lang="en-US" sz="2800" dirty="0" smtClean="0">
+              <a:rPr lang="en-US" sz="2800" dirty="0">
                 <a:latin typeface="+mj-lt"/>
               </a:rPr>
               <a:t>The main purpose of this topic is to demonstrate a procedure to determine activity schedules to reduce the project duration time with a minimum increase in the project direct costs, by buying time along the critical path (s) where it can be obtained at least cost.</a:t>
@@ -13782,13 +13514,6 @@
     <a:masterClrMapping/>
   </p:clrMapOvr>
   <p:transition spd="slow"/>
-  <p:timing>
-    <p:tnLst>
-      <p:par>
-        <p:cTn id="1" dur="indefinite" restart="never" nodeType="tmRoot"/>
-      </p:par>
-    </p:tnLst>
-  </p:timing>
 </p:sld>
 </file>
 
@@ -13829,9 +13554,9 @@
             <a:fld id="{1A9B159C-3457-4CB7-8B0F-24EE669F8E0B}" type="datetime8">
               <a:rPr lang="en-US" smtClean="0"/>
               <a:pPr/>
-              <a:t>4/3/2017 6:16 PM</a:t>
+              <a:t>3/18/2021 5:10 AM</a:t>
             </a:fld>
-            <a:endParaRPr lang="en-US" smtClean="0"/>
+            <a:endParaRPr lang="en-US"/>
           </a:p>
         </p:txBody>
       </p:sp>
@@ -13857,7 +13582,7 @@
               <a:pPr/>
               <a:t>6</a:t>
             </a:fld>
-            <a:endParaRPr lang="en-US" smtClean="0"/>
+            <a:endParaRPr lang="en-US"/>
           </a:p>
         </p:txBody>
       </p:sp>
@@ -14042,13 +13767,6 @@
     <a:masterClrMapping/>
   </p:clrMapOvr>
   <p:transition spd="slow"/>
-  <p:timing>
-    <p:tnLst>
-      <p:par>
-        <p:cTn id="1" dur="indefinite" restart="never" nodeType="tmRoot"/>
-      </p:par>
-    </p:tnLst>
-  </p:timing>
 </p:sld>
 </file>
 
@@ -14089,9 +13807,9 @@
             <a:fld id="{15C3F68F-9027-4ABA-A57E-99C564BACDD5}" type="datetime8">
               <a:rPr lang="en-US" smtClean="0"/>
               <a:pPr/>
-              <a:t>4/3/2017 6:16 PM</a:t>
+              <a:t>3/18/2021 5:10 AM</a:t>
             </a:fld>
-            <a:endParaRPr lang="en-US" smtClean="0"/>
+            <a:endParaRPr lang="en-US"/>
           </a:p>
         </p:txBody>
       </p:sp>
@@ -14117,7 +13835,7 @@
               <a:pPr/>
               <a:t>7</a:t>
             </a:fld>
-            <a:endParaRPr lang="en-US" smtClean="0"/>
+            <a:endParaRPr lang="en-US"/>
           </a:p>
         </p:txBody>
       </p:sp>
@@ -14166,7 +13884,7 @@
               <a:defRPr/>
             </a:pPr>
             <a:r>
-              <a:rPr lang="en-US" sz="2200" b="1" smtClean="0">
+              <a:rPr lang="en-US" sz="2200" b="1">
                 <a:solidFill>
                   <a:srgbClr val="FF0000"/>
                 </a:solidFill>
@@ -14179,7 +13897,7 @@
               <a:t>Activity Direct Costs</a:t>
             </a:r>
             <a:r>
-              <a:rPr lang="en-US" sz="2200" smtClean="0"/>
+              <a:rPr lang="en-US" sz="2200"/>
               <a:t>: include the cost of the material, equipment, and direct labor required to perform the activity in question. If the activity is being performed in its entirety by a subcontract, plus any fee that may be added.</a:t>
             </a:r>
           </a:p>
@@ -14193,7 +13911,7 @@
               <a:buAutoNum type="arabicPeriod"/>
               <a:defRPr/>
             </a:pPr>
-            <a:endParaRPr lang="en-US" sz="2200" smtClean="0"/>
+            <a:endParaRPr lang="en-US" sz="2200"/>
           </a:p>
           <a:p>
             <a:pPr marL="457200" indent="-457200" algn="just">
@@ -14206,7 +13924,7 @@
               <a:defRPr/>
             </a:pPr>
             <a:r>
-              <a:rPr lang="en-US" sz="2200" b="1" smtClean="0">
+              <a:rPr lang="en-US" sz="2200" b="1">
                 <a:solidFill>
                   <a:srgbClr val="FF0000"/>
                 </a:solidFill>
@@ -14219,14 +13937,14 @@
               <a:t>Project indirect costs</a:t>
             </a:r>
             <a:r>
-              <a:rPr lang="en-US" sz="2200" i="1" smtClean="0"/>
+              <a:rPr lang="en-US" sz="2200" i="1"/>
               <a:t>: </a:t>
             </a:r>
             <a:r>
-              <a:rPr lang="en-US" sz="2200" smtClean="0"/>
+              <a:rPr lang="en-US" sz="2200"/>
               <a:t>may include, supervision and other customary overhead costs, the interest charges on the cumulative project investment, penalty costs for completing the project after a specified date, and bonuses for early project completion.</a:t>
             </a:r>
-            <a:endParaRPr lang="en-US" sz="2400" smtClean="0"/>
+            <a:endParaRPr lang="en-US" sz="2400"/>
           </a:p>
         </p:txBody>
       </p:sp>
@@ -14318,13 +14036,6 @@
     <a:masterClrMapping/>
   </p:clrMapOvr>
   <p:transition spd="slow"/>
-  <p:timing>
-    <p:tnLst>
-      <p:par>
-        <p:cTn id="1" dur="indefinite" restart="never" nodeType="tmRoot"/>
-      </p:par>
-    </p:tnLst>
-  </p:timing>
 </p:sld>
 </file>
 
@@ -14365,9 +14076,9 @@
             <a:fld id="{BE301548-DFF3-4925-B4E5-E76E1DDA6B9F}" type="datetime8">
               <a:rPr lang="en-US" smtClean="0"/>
               <a:pPr/>
-              <a:t>4/3/2017 6:16 PM</a:t>
+              <a:t>3/18/2021 5:10 AM</a:t>
             </a:fld>
-            <a:endParaRPr lang="en-US" smtClean="0"/>
+            <a:endParaRPr lang="en-US"/>
           </a:p>
         </p:txBody>
       </p:sp>
@@ -14393,7 +14104,7 @@
               <a:pPr/>
               <a:t>8</a:t>
             </a:fld>
-            <a:endParaRPr lang="en-US" smtClean="0"/>
+            <a:endParaRPr lang="en-US"/>
           </a:p>
         </p:txBody>
       </p:sp>
@@ -14442,7 +14153,7 @@
               <a:defRPr/>
             </a:pPr>
             <a:r>
-              <a:rPr lang="en-US" sz="2200" b="1" i="1" u="sng" dirty="0" smtClean="0">
+              <a:rPr lang="en-US" sz="2200" b="1" i="1" u="sng" dirty="0">
                 <a:solidFill>
                   <a:srgbClr val="262699"/>
                 </a:solidFill>
@@ -14466,7 +14177,7 @@
               <a:defRPr/>
             </a:pPr>
             <a:r>
-              <a:rPr lang="en-US" sz="2200" b="1" dirty="0" smtClean="0">
+              <a:rPr lang="en-US" sz="2200" b="1" dirty="0">
                 <a:solidFill>
                   <a:srgbClr val="FF0000"/>
                 </a:solidFill>
@@ -14479,7 +14190,7 @@
               <a:t>Normal Activity Time (</a:t>
             </a:r>
             <a:r>
-              <a:rPr lang="en-US" sz="2200" b="1" i="1" dirty="0" smtClean="0">
+              <a:rPr lang="en-US" sz="2200" b="1" i="1" dirty="0">
                 <a:solidFill>
                   <a:srgbClr val="FF0000"/>
                 </a:solidFill>
@@ -14492,7 +14203,7 @@
               <a:t>D</a:t>
             </a:r>
             <a:r>
-              <a:rPr lang="en-US" sz="2200" b="1" dirty="0" smtClean="0">
+              <a:rPr lang="en-US" sz="2200" b="1" dirty="0">
                 <a:solidFill>
                   <a:srgbClr val="FF0000"/>
                 </a:solidFill>
@@ -14505,7 +14216,7 @@
               <a:t>): </a:t>
             </a:r>
             <a:r>
-              <a:rPr lang="en-US" sz="2200" dirty="0" smtClean="0"/>
+              <a:rPr lang="en-US" sz="2200" dirty="0"/>
               <a:t>It is the normal time that is used in the basic critical path planning and scheduling based on the normal level of resource.</a:t>
             </a:r>
           </a:p>
@@ -14520,7 +14231,7 @@
               <a:defRPr/>
             </a:pPr>
             <a:r>
-              <a:rPr lang="en-US" sz="2200" b="1" dirty="0" smtClean="0">
+              <a:rPr lang="en-US" sz="2200" b="1" dirty="0">
                 <a:solidFill>
                   <a:srgbClr val="FF0000"/>
                 </a:solidFill>
@@ -14533,7 +14244,7 @@
               <a:t>Normal Activity Cost (</a:t>
             </a:r>
             <a:r>
-              <a:rPr lang="en-US" sz="2200" b="1" i="1" dirty="0" smtClean="0">
+              <a:rPr lang="en-US" sz="2200" b="1" i="1" dirty="0">
                 <a:solidFill>
                   <a:srgbClr val="FF0000"/>
                 </a:solidFill>
@@ -14546,7 +14257,7 @@
               <a:t>C</a:t>
             </a:r>
             <a:r>
-              <a:rPr lang="en-US" sz="2200" b="1" i="1" baseline="-25000" dirty="0" smtClean="0">
+              <a:rPr lang="en-US" sz="2200" b="1" i="1" baseline="-25000" dirty="0">
                 <a:solidFill>
                   <a:srgbClr val="FF0000"/>
                 </a:solidFill>
@@ -14559,7 +14270,7 @@
               <a:t>D</a:t>
             </a:r>
             <a:r>
-              <a:rPr lang="en-US" sz="2200" b="1" dirty="0" smtClean="0">
+              <a:rPr lang="en-US" sz="2200" b="1" dirty="0">
                 <a:solidFill>
                   <a:srgbClr val="FF0000"/>
                 </a:solidFill>
@@ -14572,7 +14283,7 @@
               <a:t>): </a:t>
             </a:r>
             <a:r>
-              <a:rPr lang="en-US" sz="2200" dirty="0" smtClean="0"/>
+              <a:rPr lang="en-US" sz="2200" dirty="0"/>
               <a:t>The normal activity cost is equal to the minimum of direct costs required to perform the activity, and the corresponding activity duration is called the normal time. </a:t>
             </a:r>
           </a:p>
@@ -14586,7 +14297,7 @@
               <a:buNone/>
               <a:defRPr/>
             </a:pPr>
-            <a:endParaRPr lang="en-US" sz="1000" dirty="0" smtClean="0"/>
+            <a:endParaRPr lang="en-US" sz="1000" dirty="0"/>
           </a:p>
           <a:p>
             <a:pPr marL="457200" indent="-457200" algn="just">
@@ -14599,7 +14310,7 @@
               <a:defRPr/>
             </a:pPr>
             <a:r>
-              <a:rPr lang="en-US" sz="2000" i="1" dirty="0" smtClean="0"/>
+              <a:rPr lang="en-US" sz="2000" i="1" dirty="0"/>
               <a:t>The normal time is actually the shortest time required to perform the activity under the minimum direct cost constraint.</a:t>
             </a:r>
           </a:p>
@@ -14693,13 +14404,6 @@
     <a:masterClrMapping/>
   </p:clrMapOvr>
   <p:transition spd="slow"/>
-  <p:timing>
-    <p:tnLst>
-      <p:par>
-        <p:cTn id="1" dur="indefinite" restart="never" nodeType="tmRoot"/>
-      </p:par>
-    </p:tnLst>
-  </p:timing>
 </p:sld>
 </file>
 
@@ -14740,9 +14444,9 @@
             <a:fld id="{5903D2AA-2CD8-4F49-A763-5D32479D653E}" type="datetime8">
               <a:rPr lang="en-US" smtClean="0"/>
               <a:pPr/>
-              <a:t>4/3/2017 6:16 PM</a:t>
+              <a:t>3/18/2021 5:10 AM</a:t>
             </a:fld>
-            <a:endParaRPr lang="en-US" smtClean="0"/>
+            <a:endParaRPr lang="en-US"/>
           </a:p>
         </p:txBody>
       </p:sp>
@@ -14768,7 +14472,7 @@
               <a:pPr/>
               <a:t>9</a:t>
             </a:fld>
-            <a:endParaRPr lang="en-US" smtClean="0"/>
+            <a:endParaRPr lang="en-US"/>
           </a:p>
         </p:txBody>
       </p:sp>
@@ -14817,7 +14521,7 @@
               <a:defRPr/>
             </a:pPr>
             <a:r>
-              <a:rPr lang="en-US" sz="2400" b="1" i="1" u="sng" dirty="0" smtClean="0">
+              <a:rPr lang="en-US" sz="2400" b="1" i="1" u="sng" dirty="0">
                 <a:solidFill>
                   <a:srgbClr val="262699"/>
                 </a:solidFill>
@@ -14840,7 +14544,7 @@
               <a:buNone/>
               <a:defRPr/>
             </a:pPr>
-            <a:endParaRPr lang="en-US" sz="1000" b="1" i="1" u="sng" dirty="0" smtClean="0">
+            <a:endParaRPr lang="en-US" sz="1000" b="1" i="1" u="sng" dirty="0">
               <a:solidFill>
                 <a:srgbClr val="262699"/>
               </a:solidFill>
@@ -14862,7 +14566,7 @@
               <a:defRPr/>
             </a:pPr>
             <a:r>
-              <a:rPr lang="en-US" sz="2400" b="1" dirty="0" smtClean="0">
+              <a:rPr lang="en-US" sz="2400" b="1" dirty="0">
                 <a:solidFill>
                   <a:srgbClr val="FF0000"/>
                 </a:solidFill>
@@ -14875,7 +14579,7 @@
               <a:t>Crash Activity Time (</a:t>
             </a:r>
             <a:r>
-              <a:rPr lang="en-US" sz="2400" b="1" i="1" dirty="0" smtClean="0">
+              <a:rPr lang="en-US" sz="2400" b="1" i="1" dirty="0">
                 <a:solidFill>
                   <a:srgbClr val="FF0000"/>
                 </a:solidFill>
@@ -14888,7 +14592,7 @@
               <a:t>d</a:t>
             </a:r>
             <a:r>
-              <a:rPr lang="en-US" sz="2400" b="1" dirty="0" smtClean="0">
+              <a:rPr lang="en-US" sz="2400" b="1" dirty="0">
                 <a:solidFill>
                   <a:srgbClr val="FF0000"/>
                 </a:solidFill>
@@ -14901,7 +14605,7 @@
               <a:t>): </a:t>
             </a:r>
             <a:r>
-              <a:rPr lang="en-US" sz="2400" dirty="0" smtClean="0"/>
+              <a:rPr lang="en-US" sz="2400" dirty="0"/>
               <a:t>is fully expedited or minimum activity duration time that is technically possible.</a:t>
             </a:r>
           </a:p>
@@ -14916,7 +14620,7 @@
               <a:defRPr/>
             </a:pPr>
             <a:r>
-              <a:rPr lang="en-US" sz="2400" b="1" dirty="0" smtClean="0">
+              <a:rPr lang="en-US" sz="2400" b="1" dirty="0">
                 <a:solidFill>
                   <a:srgbClr val="FF0000"/>
                 </a:solidFill>
@@ -14929,7 +14633,7 @@
               <a:t>Crash Cost (</a:t>
             </a:r>
             <a:r>
-              <a:rPr lang="en-US" sz="2400" b="1" i="1" dirty="0" err="1" smtClean="0">
+              <a:rPr lang="en-US" sz="2400" b="1" i="1" dirty="0" err="1">
                 <a:solidFill>
                   <a:srgbClr val="FF0000"/>
                 </a:solidFill>
@@ -14942,7 +14646,7 @@
               <a:t>C</a:t>
             </a:r>
             <a:r>
-              <a:rPr lang="en-US" sz="2400" b="1" i="1" baseline="-25000" dirty="0" err="1" smtClean="0">
+              <a:rPr lang="en-US" sz="2400" b="1" i="1" baseline="-25000" dirty="0" err="1">
                 <a:solidFill>
                   <a:srgbClr val="FF0000"/>
                 </a:solidFill>
@@ -14955,7 +14659,7 @@
               <a:t>d</a:t>
             </a:r>
             <a:r>
-              <a:rPr lang="en-US" sz="2400" b="1" dirty="0" smtClean="0">
+              <a:rPr lang="en-US" sz="2400" b="1" dirty="0">
                 <a:solidFill>
                   <a:srgbClr val="FF0000"/>
                 </a:solidFill>
@@ -14968,7 +14672,7 @@
               <a:t>): </a:t>
             </a:r>
             <a:r>
-              <a:rPr lang="en-US" sz="2400" dirty="0" smtClean="0"/>
+              <a:rPr lang="en-US" sz="2400" dirty="0"/>
               <a:t>is assumed to be the minimum direct cost required to achieve the crash performance time.</a:t>
             </a:r>
           </a:p>
@@ -15062,13 +14766,6 @@
     <a:masterClrMapping/>
   </p:clrMapOvr>
   <p:transition spd="slow"/>
-  <p:timing>
-    <p:tnLst>
-      <p:par>
-        <p:cTn id="1" dur="indefinite" restart="never" nodeType="tmRoot"/>
-      </p:par>
-    </p:tnLst>
-  </p:timing>
 </p:sld>
 </file>
 
@@ -16269,16 +15966,25 @@
 </file>
 
 <file path=customXml/item1.xml><?xml version="1.0" encoding="utf-8"?>
-<LongProperties xmlns="http://schemas.microsoft.com/office/2006/metadata/longProperties"/>
-</file>
-
-<file path=customXml/item2.xml><?xml version="1.0" encoding="utf-8"?>
 <p:properties xmlns:p="http://schemas.microsoft.com/office/2006/metadata/properties" xmlns:xsi="http://www.w3.org/2001/XMLSchema-instance">
   <documentManagement/>
 </p:properties>
 </file>
 
+<file path=customXml/item2.xml><?xml version="1.0" encoding="utf-8"?>
+<LongProperties xmlns="http://schemas.microsoft.com/office/2006/metadata/longProperties"/>
+</file>
+
 <file path=customXml/item3.xml><?xml version="1.0" encoding="utf-8"?>
+<?mso-contentType ?>
+<FormTemplates xmlns="http://schemas.microsoft.com/sharepoint/v3/contenttype/forms">
+  <Display>DocumentLibraryForm</Display>
+  <Edit>DocumentLibraryForm</Edit>
+  <New>DocumentLibraryForm</New>
+</FormTemplates>
+</file>
+
+<file path=customXml/item4.xml><?xml version="1.0" encoding="utf-8"?>
 <ct:contentTypeSchema xmlns:ct="http://schemas.microsoft.com/office/2006/metadata/contentType" xmlns:ma="http://schemas.microsoft.com/office/2006/metadata/properties/metaAttributes" ct:_="" ma:_="" ma:contentTypeName="Document" ma:contentTypeID="0x01010019C6AFAA8FF56A41B6F7985082DACDE3" ma:contentTypeVersion="0" ma:contentTypeDescription="Create a new document." ma:contentTypeScope="" ma:versionID="9b1f4640cad317e95c1e02ad964294e6">
   <xsd:schema xmlns:xsd="http://www.w3.org/2001/XMLSchema" xmlns:p="http://schemas.microsoft.com/office/2006/metadata/properties" targetNamespace="http://schemas.microsoft.com/office/2006/metadata/properties" ma:root="true" ma:fieldsID="4aeb20c0e3442673af7ee10786458764">
     <xsd:element name="properties">
@@ -16327,16 +16033,15 @@
 </ct:contentTypeSchema>
 </file>
 
-<file path=customXml/item4.xml><?xml version="1.0" encoding="utf-8"?>
-<?mso-contentType ?>
-<FormTemplates xmlns="http://schemas.microsoft.com/sharepoint/v3/contenttype/forms">
-  <Display>DocumentLibraryForm</Display>
-  <Edit>DocumentLibraryForm</Edit>
-  <New>DocumentLibraryForm</New>
-</FormTemplates>
+<file path=customXml/itemProps1.xml><?xml version="1.0" encoding="utf-8"?>
+<ds:datastoreItem xmlns:ds="http://schemas.openxmlformats.org/officeDocument/2006/customXml" ds:itemID="{627319F0-67C9-49D4-A343-8ADB94B0276C}">
+  <ds:schemaRefs>
+    <ds:schemaRef ds:uri="http://schemas.microsoft.com/office/2006/metadata/properties"/>
+  </ds:schemaRefs>
+</ds:datastoreItem>
 </file>
 
-<file path=customXml/itemProps1.xml><?xml version="1.0" encoding="utf-8"?>
+<file path=customXml/itemProps2.xml><?xml version="1.0" encoding="utf-8"?>
 <ds:datastoreItem xmlns:ds="http://schemas.openxmlformats.org/officeDocument/2006/customXml" ds:itemID="{32551567-22D6-4059-9F9C-06106C488D71}">
   <ds:schemaRefs>
     <ds:schemaRef ds:uri="http://schemas.microsoft.com/office/2006/metadata/longProperties"/>
@@ -16344,15 +16049,15 @@
 </ds:datastoreItem>
 </file>
 
-<file path=customXml/itemProps2.xml><?xml version="1.0" encoding="utf-8"?>
-<ds:datastoreItem xmlns:ds="http://schemas.openxmlformats.org/officeDocument/2006/customXml" ds:itemID="{627319F0-67C9-49D4-A343-8ADB94B0276C}">
+<file path=customXml/itemProps3.xml><?xml version="1.0" encoding="utf-8"?>
+<ds:datastoreItem xmlns:ds="http://schemas.openxmlformats.org/officeDocument/2006/customXml" ds:itemID="{3666E1DB-EF24-425F-ABE3-71F1930BAF5E}">
   <ds:schemaRefs>
-    <ds:schemaRef ds:uri="http://schemas.microsoft.com/office/2006/metadata/properties"/>
+    <ds:schemaRef ds:uri="http://schemas.microsoft.com/sharepoint/v3/contenttype/forms"/>
   </ds:schemaRefs>
 </ds:datastoreItem>
 </file>
 
-<file path=customXml/itemProps3.xml><?xml version="1.0" encoding="utf-8"?>
+<file path=customXml/itemProps4.xml><?xml version="1.0" encoding="utf-8"?>
 <ds:datastoreItem xmlns:ds="http://schemas.openxmlformats.org/officeDocument/2006/customXml" ds:itemID="{5B972ABC-F9FD-41DA-8DDA-79F6F4E6D44C}">
   <ds:schemaRefs>
     <ds:schemaRef ds:uri="http://schemas.microsoft.com/office/2006/metadata/contentType"/>
@@ -16365,12 +16070,4 @@
     <ds:schemaRef ds:uri="http://schemas.microsoft.com/office/internal/2005/internalDocumentation"/>
   </ds:schemaRefs>
 </ds:datastoreItem>
-</file>
-
-<file path=customXml/itemProps4.xml><?xml version="1.0" encoding="utf-8"?>
-<ds:datastoreItem xmlns:ds="http://schemas.openxmlformats.org/officeDocument/2006/customXml" ds:itemID="{3666E1DB-EF24-425F-ABE3-71F1930BAF5E}">
-  <ds:schemaRefs>
-    <ds:schemaRef ds:uri="http://schemas.microsoft.com/sharepoint/v3/contenttype/forms"/>
-  </ds:schemaRefs>
-</ds:datastoreItem>
 </file>